--- a/Rodriguez_M_Final_Presentation.pptx
+++ b/Rodriguez_M_Final_Presentation.pptx
@@ -5,7 +5,7 @@
     <p:sldMasterId id="2147483723" r:id="rId1"/>
   </p:sldMasterIdLst>
   <p:sldIdLst>
-    <p:sldId id="279" r:id="rId2"/>
+    <p:sldId id="280" r:id="rId2"/>
     <p:sldId id="262" r:id="rId3"/>
     <p:sldId id="263" r:id="rId4"/>
     <p:sldId id="264" r:id="rId5"/>
@@ -5337,86 +5337,71 @@
       </p:grpSpPr>
       <p:sp>
         <p:nvSpPr>
-          <p:cNvPr id="2" name="Title 1"/>
-          <p:cNvSpPr>
-            <a:spLocks noGrp="1"/>
-          </p:cNvSpPr>
-          <p:nvPr>
-            <p:ph type="ctrTitle"/>
-          </p:nvPr>
-        </p:nvSpPr>
-        <p:spPr>
-          <a:xfrm>
-            <a:off x="4733365" y="2372497"/>
-            <a:ext cx="3313355" cy="2038139"/>
-          </a:xfrm>
-        </p:spPr>
-        <p:txBody>
-          <a:bodyPr>
-            <a:normAutofit fontScale="90000"/>
-          </a:bodyPr>
+          <p:cNvPr id="2" name="Content Placeholder 1"/>
+          <p:cNvSpPr>
+            <a:spLocks noGrp="1"/>
+          </p:cNvSpPr>
+          <p:nvPr>
+            <p:ph sz="half" idx="1"/>
+          </p:nvPr>
+        </p:nvSpPr>
+        <p:spPr/>
+        <p:txBody>
+          <a:bodyPr/>
           <a:lstStyle/>
           <a:p>
+            <a:r>
+              <a:rPr lang="en-US" sz="4800" b="1" dirty="0"/>
+              <a:t>Music Digital Market Trends Analytics</a:t>
+            </a:r>
+            <a:br>
+              <a:rPr lang="en-US" sz="4800" b="1" dirty="0"/>
+            </a:br>
+            <a:r>
+              <a:rPr lang="en-US" sz="1400" b="1" dirty="0"/>
+              <a:t>Final Project MIS 670</a:t>
+            </a:r>
+            <a:endParaRPr lang="en-US" dirty="0"/>
+          </a:p>
+        </p:txBody>
+      </p:sp>
+      <p:sp>
+        <p:nvSpPr>
+          <p:cNvPr id="3" name="Content Placeholder 2"/>
+          <p:cNvSpPr>
+            <a:spLocks noGrp="1"/>
+          </p:cNvSpPr>
+          <p:nvPr>
+            <p:ph sz="half" idx="2"/>
+          </p:nvPr>
+        </p:nvSpPr>
+        <p:spPr/>
+        <p:txBody>
+          <a:bodyPr/>
+          <a:lstStyle/>
+          <a:p>
             <a:pPr algn="ctr"/>
             <a:r>
               <a:rPr lang="en-US" b="1" dirty="0"/>
-              <a:t>Music Digital Market Trends </a:t>
-            </a:r>
-            <a:r>
-              <a:rPr lang="en-US" b="1" dirty="0" smtClean="0"/>
-              <a:t>Analytics</a:t>
-            </a:r>
-            <a:br>
-              <a:rPr lang="en-US" b="1" dirty="0" smtClean="0"/>
-            </a:br>
-            <a:r>
-              <a:rPr lang="en-US" sz="2700" b="1" dirty="0" smtClean="0"/>
-              <a:t>Final Project MIS 670</a:t>
-            </a:r>
-            <a:endParaRPr lang="en-US" sz="2700" dirty="0"/>
-          </a:p>
-        </p:txBody>
-      </p:sp>
-      <p:sp>
-        <p:nvSpPr>
-          <p:cNvPr id="3" name="Subtitle 2"/>
-          <p:cNvSpPr>
-            <a:spLocks noGrp="1"/>
-          </p:cNvSpPr>
-          <p:nvPr>
-            <p:ph type="subTitle" idx="1"/>
-          </p:nvPr>
-        </p:nvSpPr>
-        <p:spPr/>
-        <p:txBody>
-          <a:bodyPr>
-            <a:normAutofit fontScale="92500" lnSpcReduction="20000"/>
-          </a:bodyPr>
-          <a:lstStyle/>
+              <a:t>presented by </a:t>
+            </a:r>
+          </a:p>
           <a:p>
             <a:pPr algn="ctr"/>
-            <a:endParaRPr lang="en-US" b="1" dirty="0" smtClean="0"/>
-          </a:p>
-          <a:p>
-            <a:pPr algn="ctr"/>
-            <a:r>
-              <a:rPr lang="en-US" b="1" dirty="0" smtClean="0"/>
-              <a:t>presented by </a:t>
-            </a:r>
-          </a:p>
-          <a:p>
-            <a:pPr algn="ctr"/>
-            <a:r>
-              <a:rPr lang="en-US" b="1" dirty="0" smtClean="0"/>
+            <a:r>
+              <a:rPr lang="en-US" b="1" dirty="0"/>
               <a:t>Miriam Rodriguez</a:t>
             </a:r>
+          </a:p>
+          <a:p>
+            <a:endParaRPr lang="en-US" dirty="0"/>
           </a:p>
         </p:txBody>
       </p:sp>
     </p:spTree>
     <p:extLst>
       <p:ext uri="{BB962C8B-B14F-4D97-AF65-F5344CB8AC3E}">
-        <p14:creationId xmlns:p14="http://schemas.microsoft.com/office/powerpoint/2010/main" val="1153034481"/>
+        <p14:creationId xmlns:p14="http://schemas.microsoft.com/office/powerpoint/2010/main" val="3344974829"/>
       </p:ext>
     </p:extLst>
   </p:cSld>
@@ -5426,6 +5411,13 @@
   <p:transition>
     <p:cut/>
   </p:transition>
+  <p:timing>
+    <p:tnLst>
+      <p:par>
+        <p:cTn id="1" dur="indefinite" restart="never" nodeType="tmRoot"/>
+      </p:par>
+    </p:tnLst>
+  </p:timing>
 </p:sld>
 </file>
 
@@ -7422,6 +7414,13 @@
   <p:transition>
     <p:cut/>
   </p:transition>
+  <p:timing>
+    <p:tnLst>
+      <p:par>
+        <p:cTn id="1" dur="indefinite" restart="never" nodeType="tmRoot"/>
+      </p:par>
+    </p:tnLst>
+  </p:timing>
 </p:sld>
 </file>
 

--- a/Rodriguez_M_Final_Presentation.pptx
+++ b/Rodriguez_M_Final_Presentation.pptx
@@ -5352,16 +5352,24 @@
           <a:p>
             <a:r>
               <a:rPr lang="en-US" sz="4800" b="1" dirty="0"/>
-              <a:t>Music Digital Market Trends Analytics</a:t>
+              <a:t>Music Digital Market </a:t>
+            </a:r>
+            <a:r>
+              <a:rPr lang="en-US" sz="4800" b="1" dirty="0" smtClean="0"/>
+              <a:t> </a:t>
+            </a:r>
+            <a:r>
+              <a:rPr lang="en-US" sz="4800" b="1" dirty="0"/>
+              <a:t>Analytics</a:t>
             </a:r>
             <a:br>
               <a:rPr lang="en-US" sz="4800" b="1" dirty="0"/>
             </a:br>
             <a:r>
-              <a:rPr lang="en-US" sz="1400" b="1" dirty="0"/>
+              <a:rPr lang="en-US" sz="2000" b="1" dirty="0"/>
               <a:t>Final Project MIS 670</a:t>
             </a:r>
-            <a:endParaRPr lang="en-US" dirty="0"/>
+            <a:endParaRPr lang="en-US" sz="2000" dirty="0"/>
           </a:p>
         </p:txBody>
       </p:sp>

--- a/Rodriguez_M_Final_Presentation.pptx
+++ b/Rodriguez_M_Final_Presentation.pptx
@@ -5345,29 +5345,55 @@
             <p:ph sz="half" idx="1"/>
           </p:nvPr>
         </p:nvSpPr>
-        <p:spPr/>
-        <p:txBody>
-          <a:bodyPr/>
+        <p:spPr>
+          <a:xfrm>
+            <a:off x="457200" y="1481328"/>
+            <a:ext cx="4633784" cy="4525963"/>
+          </a:xfrm>
+        </p:spPr>
+        <p:txBody>
+          <a:bodyPr>
+            <a:normAutofit/>
+          </a:bodyPr>
           <a:lstStyle/>
           <a:p>
+            <a:pPr marL="109728" indent="0" algn="ctr">
+              <a:buNone/>
+            </a:pPr>
+            <a:r>
+              <a:rPr lang="en-US" sz="4800" b="1" dirty="0" smtClean="0"/>
+              <a:t>Analytics for the Digital</a:t>
+            </a:r>
+          </a:p>
+          <a:p>
+            <a:pPr marL="109728" indent="0" algn="ctr">
+              <a:buNone/>
+            </a:pPr>
+            <a:r>
+              <a:rPr lang="en-US" sz="4800" b="1" dirty="0" smtClean="0"/>
+              <a:t>Music  </a:t>
+            </a:r>
             <a:r>
               <a:rPr lang="en-US" sz="4800" b="1" dirty="0"/>
-              <a:t>Music Digital Market </a:t>
+              <a:t>Market </a:t>
             </a:r>
             <a:r>
               <a:rPr lang="en-US" sz="4800" b="1" dirty="0" smtClean="0"/>
               <a:t> </a:t>
             </a:r>
-            <a:r>
-              <a:rPr lang="en-US" sz="4800" b="1" dirty="0"/>
-              <a:t>Analytics</a:t>
-            </a:r>
-            <a:br>
-              <a:rPr lang="en-US" sz="4800" b="1" dirty="0"/>
-            </a:br>
+          </a:p>
+          <a:p>
+            <a:endParaRPr lang="en-US" sz="4800" b="1" dirty="0"/>
+          </a:p>
+          <a:p>
+            <a:pPr algn="ctr"/>
+            <a:r>
+              <a:rPr lang="en-US" sz="2000" b="1" dirty="0" smtClean="0"/>
+              <a:t>Final </a:t>
+            </a:r>
             <a:r>
               <a:rPr lang="en-US" sz="2000" b="1" dirty="0"/>
-              <a:t>Final Project MIS 670</a:t>
+              <a:t>Project MIS 670</a:t>
             </a:r>
             <a:endParaRPr lang="en-US" sz="2000" dirty="0"/>
           </a:p>
@@ -5385,17 +5411,23 @@
         </p:nvSpPr>
         <p:spPr/>
         <p:txBody>
-          <a:bodyPr/>
+          <a:bodyPr>
+            <a:normAutofit/>
+          </a:bodyPr>
           <a:lstStyle/>
           <a:p>
-            <a:pPr algn="ctr"/>
+            <a:pPr marL="109728" indent="0" algn="ctr">
+              <a:buNone/>
+            </a:pPr>
             <a:r>
               <a:rPr lang="en-US" b="1" dirty="0"/>
               <a:t>presented by </a:t>
             </a:r>
           </a:p>
           <a:p>
-            <a:pPr algn="ctr"/>
+            <a:pPr marL="109728" indent="0" algn="ctr">
+              <a:buNone/>
+            </a:pPr>
             <a:r>
               <a:rPr lang="en-US" b="1" dirty="0"/>
               <a:t>Miriam Rodriguez</a:t>

--- a/Rodriguez_M_Final_Presentation.pptx
+++ b/Rodriguez_M_Final_Presentation.pptx
@@ -7,22 +7,24 @@
   <p:sldIdLst>
     <p:sldId id="280" r:id="rId2"/>
     <p:sldId id="262" r:id="rId3"/>
-    <p:sldId id="263" r:id="rId4"/>
-    <p:sldId id="264" r:id="rId5"/>
-    <p:sldId id="276" r:id="rId6"/>
-    <p:sldId id="277" r:id="rId7"/>
-    <p:sldId id="278" r:id="rId8"/>
-    <p:sldId id="267" r:id="rId9"/>
-    <p:sldId id="269" r:id="rId10"/>
-    <p:sldId id="268" r:id="rId11"/>
-    <p:sldId id="270" r:id="rId12"/>
-    <p:sldId id="271" r:id="rId13"/>
-    <p:sldId id="272" r:id="rId14"/>
-    <p:sldId id="273" r:id="rId15"/>
-    <p:sldId id="274" r:id="rId16"/>
-    <p:sldId id="275" r:id="rId17"/>
-    <p:sldId id="265" r:id="rId18"/>
-    <p:sldId id="266" r:id="rId19"/>
+    <p:sldId id="281" r:id="rId4"/>
+    <p:sldId id="263" r:id="rId5"/>
+    <p:sldId id="282" r:id="rId6"/>
+    <p:sldId id="276" r:id="rId7"/>
+    <p:sldId id="277" r:id="rId8"/>
+    <p:sldId id="278" r:id="rId9"/>
+    <p:sldId id="283" r:id="rId10"/>
+    <p:sldId id="267" r:id="rId11"/>
+    <p:sldId id="269" r:id="rId12"/>
+    <p:sldId id="268" r:id="rId13"/>
+    <p:sldId id="270" r:id="rId14"/>
+    <p:sldId id="271" r:id="rId15"/>
+    <p:sldId id="272" r:id="rId16"/>
+    <p:sldId id="273" r:id="rId17"/>
+    <p:sldId id="274" r:id="rId18"/>
+    <p:sldId id="275" r:id="rId19"/>
+    <p:sldId id="265" r:id="rId20"/>
+    <p:sldId id="266" r:id="rId21"/>
   </p:sldIdLst>
   <p:sldSz cx="9144000" cy="6858000" type="screen4x3"/>
   <p:notesSz cx="6858000" cy="9144000"/>
@@ -5448,7 +5450,7 @@
   <p:clrMapOvr>
     <a:masterClrMapping/>
   </p:clrMapOvr>
-  <p:transition>
+  <p:transition advTm="3304">
     <p:cut/>
   </p:transition>
   <p:timing>
@@ -5490,116 +5492,8 @@
         </p:nvSpPr>
         <p:spPr>
           <a:xfrm>
-            <a:off x="1043492" y="1927654"/>
-            <a:ext cx="6777317" cy="3904975"/>
-          </a:xfrm>
-        </p:spPr>
-        <p:txBody>
-          <a:bodyPr>
-            <a:normAutofit fontScale="85000" lnSpcReduction="10000"/>
-          </a:bodyPr>
-          <a:lstStyle/>
-          <a:p>
-            <a:r>
-              <a:rPr lang="en-US" dirty="0">
-                <a:solidFill>
-                  <a:schemeClr val="tx1"/>
-                </a:solidFill>
-              </a:rPr>
-              <a:t>Soundcloud appears to be the most talked about over the other four distributers</a:t>
-            </a:r>
-            <a:r>
-              <a:rPr lang="en-US" dirty="0" smtClean="0">
-                <a:solidFill>
-                  <a:schemeClr val="tx1"/>
-                </a:solidFill>
-                <a:hlinkClick r:id="rId2"/>
-              </a:rPr>
-              <a:t>¶</a:t>
-            </a:r>
-            <a:endParaRPr lang="en-US" dirty="0" smtClean="0">
-              <a:solidFill>
-                <a:schemeClr val="tx1"/>
-              </a:solidFill>
-            </a:endParaRPr>
-          </a:p>
-          <a:p>
-            <a:endParaRPr lang="en-US" dirty="0" smtClean="0">
-              <a:solidFill>
-                <a:schemeClr val="tx1"/>
-              </a:solidFill>
-            </a:endParaRPr>
-          </a:p>
-          <a:p>
-            <a:r>
-              <a:rPr lang="en-US" dirty="0" smtClean="0">
-                <a:solidFill>
-                  <a:schemeClr val="tx1"/>
-                </a:solidFill>
-              </a:rPr>
-              <a:t>When looking at bigrams for comments, </a:t>
-            </a:r>
-            <a:r>
-              <a:rPr lang="en-US" dirty="0">
-                <a:solidFill>
-                  <a:schemeClr val="tx1"/>
-                </a:solidFill>
-              </a:rPr>
-              <a:t>The most popular words are related to sharing video's, SoundCloud, watching YouTube, ITunes, Apple, Facebook, and Michael Jackson songs</a:t>
-            </a:r>
-            <a:r>
-              <a:rPr lang="en-US" dirty="0" smtClean="0">
-                <a:solidFill>
-                  <a:schemeClr val="tx1"/>
-                </a:solidFill>
-                <a:hlinkClick r:id="rId3"/>
-              </a:rPr>
-              <a:t>¶</a:t>
-            </a:r>
-            <a:endParaRPr lang="en-US" dirty="0" smtClean="0">
-              <a:solidFill>
-                <a:schemeClr val="tx1"/>
-              </a:solidFill>
-            </a:endParaRPr>
-          </a:p>
-          <a:p>
-            <a:endParaRPr lang="en-US" dirty="0" smtClean="0">
-              <a:solidFill>
-                <a:schemeClr val="tx1"/>
-              </a:solidFill>
-            </a:endParaRPr>
-          </a:p>
-          <a:p>
-            <a:r>
-              <a:rPr lang="en-US" dirty="0" smtClean="0">
-                <a:solidFill>
-                  <a:schemeClr val="tx1"/>
-                </a:solidFill>
-              </a:rPr>
-              <a:t>Sharing and watching media online is very popular with Soundcloud a popular source,</a:t>
-            </a:r>
-            <a:endParaRPr lang="en-US" dirty="0">
-              <a:solidFill>
-                <a:schemeClr val="tx1"/>
-              </a:solidFill>
-            </a:endParaRPr>
-          </a:p>
-        </p:txBody>
-      </p:sp>
-      <p:sp>
-        <p:nvSpPr>
-          <p:cNvPr id="2" name="Title 1"/>
-          <p:cNvSpPr>
-            <a:spLocks noGrp="1"/>
-          </p:cNvSpPr>
-          <p:nvPr>
-            <p:ph type="title"/>
-          </p:nvPr>
-        </p:nvSpPr>
-        <p:spPr>
-          <a:xfrm>
-            <a:off x="1043490" y="399523"/>
-            <a:ext cx="7024744" cy="726995"/>
+            <a:off x="841046" y="1027664"/>
+            <a:ext cx="6979764" cy="4804965"/>
           </a:xfrm>
         </p:spPr>
         <p:txBody>
@@ -5609,132 +5503,98 @@
           <a:lstStyle/>
           <a:p>
             <a:r>
+              <a:rPr lang="en-US" sz="2400" dirty="0" smtClean="0"/>
+              <a:t>Conducted word frequency analysis to  determine how many times any of the distro sites were referenced.</a:t>
+            </a:r>
+            <a:endParaRPr lang="en-US" sz="2400" dirty="0"/>
+          </a:p>
+        </p:txBody>
+      </p:sp>
+      <p:sp>
+        <p:nvSpPr>
+          <p:cNvPr id="2" name="Title 1"/>
+          <p:cNvSpPr>
+            <a:spLocks noGrp="1"/>
+          </p:cNvSpPr>
+          <p:nvPr>
+            <p:ph type="title"/>
+          </p:nvPr>
+        </p:nvSpPr>
+        <p:spPr>
+          <a:xfrm>
+            <a:off x="841045" y="325382"/>
+            <a:ext cx="7302115" cy="702282"/>
+          </a:xfrm>
+        </p:spPr>
+        <p:txBody>
+          <a:bodyPr>
+            <a:normAutofit/>
+          </a:bodyPr>
+          <a:lstStyle/>
+          <a:p>
+            <a:pPr algn="ctr"/>
+            <a:r>
               <a:rPr lang="en-US" sz="3200" dirty="0" smtClean="0"/>
-              <a:t>Methods and Results (continued)</a:t>
+              <a:t>Methods and Results</a:t>
             </a:r>
             <a:endParaRPr lang="en-US" sz="3200" dirty="0"/>
           </a:p>
         </p:txBody>
       </p:sp>
+      <p:pic>
+        <p:nvPicPr>
+          <p:cNvPr id="4" name="Picture 3"/>
+          <p:cNvPicPr>
+            <a:picLocks noChangeAspect="1"/>
+          </p:cNvPicPr>
+          <p:nvPr/>
+        </p:nvPicPr>
+        <p:blipFill>
+          <a:blip r:embed="rId2">
+            <a:extLst>
+              <a:ext uri="{28A0092B-C50C-407E-A947-70E740481C1C}">
+                <a14:useLocalDpi xmlns:a14="http://schemas.microsoft.com/office/drawing/2010/main" val="0"/>
+              </a:ext>
+            </a:extLst>
+          </a:blip>
+          <a:stretch>
+            <a:fillRect/>
+          </a:stretch>
+        </p:blipFill>
+        <p:spPr>
+          <a:xfrm>
+            <a:off x="36429" y="2125363"/>
+            <a:ext cx="8292025" cy="4522572"/>
+          </a:xfrm>
+          <a:prstGeom prst="rect">
+            <a:avLst/>
+          </a:prstGeom>
+        </p:spPr>
+      </p:pic>
     </p:spTree>
     <p:extLst>
       <p:ext uri="{BB962C8B-B14F-4D97-AF65-F5344CB8AC3E}">
-        <p14:creationId xmlns:p14="http://schemas.microsoft.com/office/powerpoint/2010/main" val="3203917718"/>
+        <p14:creationId xmlns:p14="http://schemas.microsoft.com/office/powerpoint/2010/main" val="2639013839"/>
       </p:ext>
     </p:extLst>
   </p:cSld>
   <p:clrMapOvr>
     <a:masterClrMapping/>
   </p:clrMapOvr>
-  <p:transition>
+  <p:transition advTm="30808">
     <p:cut/>
   </p:transition>
+  <p:timing>
+    <p:tnLst>
+      <p:par>
+        <p:cTn id="1" dur="indefinite" restart="never" nodeType="tmRoot"/>
+      </p:par>
+    </p:tnLst>
+  </p:timing>
 </p:sld>
 </file>
 
 <file path=ppt/slides/slide11.xml><?xml version="1.0" encoding="utf-8"?>
-<p:sld xmlns:a="http://schemas.openxmlformats.org/drawingml/2006/main" xmlns:r="http://schemas.openxmlformats.org/officeDocument/2006/relationships" xmlns:p="http://schemas.openxmlformats.org/presentationml/2006/main">
-  <p:cSld>
-    <p:spTree>
-      <p:nvGrpSpPr>
-        <p:cNvPr id="1" name=""/>
-        <p:cNvGrpSpPr/>
-        <p:nvPr/>
-      </p:nvGrpSpPr>
-      <p:grpSpPr>
-        <a:xfrm>
-          <a:off x="0" y="0"/>
-          <a:ext cx="0" cy="0"/>
-          <a:chOff x="0" y="0"/>
-          <a:chExt cx="0" cy="0"/>
-        </a:xfrm>
-      </p:grpSpPr>
-      <p:sp>
-        <p:nvSpPr>
-          <p:cNvPr id="3" name="Content Placeholder 2"/>
-          <p:cNvSpPr>
-            <a:spLocks noGrp="1"/>
-          </p:cNvSpPr>
-          <p:nvPr>
-            <p:ph idx="1"/>
-          </p:nvPr>
-        </p:nvSpPr>
-        <p:spPr>
-          <a:xfrm>
-            <a:off x="1043492" y="1878228"/>
-            <a:ext cx="6777317" cy="3954402"/>
-          </a:xfrm>
-        </p:spPr>
-        <p:txBody>
-          <a:bodyPr/>
-          <a:lstStyle/>
-          <a:p>
-            <a:endParaRPr lang="en-US" i="1" dirty="0" smtClean="0"/>
-          </a:p>
-          <a:p>
-            <a:r>
-              <a:rPr lang="en-US" i="1" dirty="0" smtClean="0"/>
-              <a:t>The </a:t>
-            </a:r>
-            <a:r>
-              <a:rPr lang="en-US" i="1" dirty="0"/>
-              <a:t>file, "Reverbnation.gdf" was generated from Netvizz with a crawl depth of 1 for “Page Like Network”. This file was imported into Gephi for </a:t>
-            </a:r>
-            <a:r>
-              <a:rPr lang="en-US" i="1" dirty="0" smtClean="0"/>
-              <a:t>analysis and visualization.</a:t>
-            </a:r>
-            <a:endParaRPr lang="en-US" dirty="0" smtClean="0"/>
-          </a:p>
-        </p:txBody>
-      </p:sp>
-      <p:sp>
-        <p:nvSpPr>
-          <p:cNvPr id="2" name="Title 1"/>
-          <p:cNvSpPr>
-            <a:spLocks noGrp="1"/>
-          </p:cNvSpPr>
-          <p:nvPr>
-            <p:ph type="title"/>
-          </p:nvPr>
-        </p:nvSpPr>
-        <p:spPr>
-          <a:xfrm>
-            <a:off x="1043492" y="325382"/>
-            <a:ext cx="7024744" cy="702282"/>
-          </a:xfrm>
-        </p:spPr>
-        <p:txBody>
-          <a:bodyPr>
-            <a:normAutofit/>
-          </a:bodyPr>
-          <a:lstStyle/>
-          <a:p>
-            <a:r>
-              <a:rPr lang="en-US" sz="3200" dirty="0" smtClean="0"/>
-              <a:t>Results - Network Analysis</a:t>
-            </a:r>
-            <a:endParaRPr lang="en-US" sz="3200" dirty="0"/>
-          </a:p>
-        </p:txBody>
-      </p:sp>
-    </p:spTree>
-    <p:extLst>
-      <p:ext uri="{BB962C8B-B14F-4D97-AF65-F5344CB8AC3E}">
-        <p14:creationId xmlns:p14="http://schemas.microsoft.com/office/powerpoint/2010/main" val="3247213510"/>
-      </p:ext>
-    </p:extLst>
-  </p:cSld>
-  <p:clrMapOvr>
-    <a:masterClrMapping/>
-  </p:clrMapOvr>
-  <p:transition>
-    <p:cut/>
-  </p:transition>
-</p:sld>
-</file>
-
-<file path=ppt/slides/slide12.xml><?xml version="1.0" encoding="utf-8"?>
 <p:sld xmlns:a="http://schemas.openxmlformats.org/drawingml/2006/main" xmlns:r="http://schemas.openxmlformats.org/officeDocument/2006/relationships" xmlns:p="http://schemas.openxmlformats.org/presentationml/2006/main">
   <p:cSld>
     <p:spTree>
@@ -5775,8 +5635,8 @@
         </p:blipFill>
         <p:spPr>
           <a:xfrm>
-            <a:off x="222422" y="1062680"/>
-            <a:ext cx="8649729" cy="5795319"/>
+            <a:off x="629106" y="1027664"/>
+            <a:ext cx="7995910" cy="4979436"/>
           </a:xfrm>
         </p:spPr>
       </p:pic>
@@ -5792,8 +5652,8 @@
         </p:nvSpPr>
         <p:spPr>
           <a:xfrm>
-            <a:off x="469557" y="494270"/>
-            <a:ext cx="8402594" cy="568411"/>
+            <a:off x="1754658" y="473663"/>
+            <a:ext cx="6511283" cy="554001"/>
           </a:xfrm>
         </p:spPr>
         <p:txBody>
@@ -5804,7 +5664,7 @@
           <a:p>
             <a:r>
               <a:rPr lang="en-US" sz="3200" dirty="0" smtClean="0"/>
-              <a:t>Results – Network Analysis</a:t>
+              <a:t>Methods and Results- bigrams</a:t>
             </a:r>
             <a:endParaRPr lang="en-US" sz="3200" dirty="0"/>
           </a:p>
@@ -5813,16 +5673,201 @@
     </p:spTree>
     <p:extLst>
       <p:ext uri="{BB962C8B-B14F-4D97-AF65-F5344CB8AC3E}">
-        <p14:creationId xmlns:p14="http://schemas.microsoft.com/office/powerpoint/2010/main" val="785432046"/>
+        <p14:creationId xmlns:p14="http://schemas.microsoft.com/office/powerpoint/2010/main" val="586834105"/>
       </p:ext>
     </p:extLst>
   </p:cSld>
   <p:clrMapOvr>
     <a:masterClrMapping/>
   </p:clrMapOvr>
-  <p:transition>
+  <p:transition advTm="27828">
     <p:cut/>
   </p:transition>
+  <p:timing>
+    <p:tnLst>
+      <p:par>
+        <p:cTn id="1" dur="indefinite" restart="never" nodeType="tmRoot"/>
+      </p:par>
+    </p:tnLst>
+  </p:timing>
+</p:sld>
+</file>
+
+<file path=ppt/slides/slide12.xml><?xml version="1.0" encoding="utf-8"?>
+<p:sld xmlns:a="http://schemas.openxmlformats.org/drawingml/2006/main" xmlns:r="http://schemas.openxmlformats.org/officeDocument/2006/relationships" xmlns:p="http://schemas.openxmlformats.org/presentationml/2006/main">
+  <p:cSld>
+    <p:spTree>
+      <p:nvGrpSpPr>
+        <p:cNvPr id="1" name=""/>
+        <p:cNvGrpSpPr/>
+        <p:nvPr/>
+      </p:nvGrpSpPr>
+      <p:grpSpPr>
+        <a:xfrm>
+          <a:off x="0" y="0"/>
+          <a:ext cx="0" cy="0"/>
+          <a:chOff x="0" y="0"/>
+          <a:chExt cx="0" cy="0"/>
+        </a:xfrm>
+      </p:grpSpPr>
+      <p:sp>
+        <p:nvSpPr>
+          <p:cNvPr id="3" name="Content Placeholder 2"/>
+          <p:cNvSpPr>
+            <a:spLocks noGrp="1"/>
+          </p:cNvSpPr>
+          <p:nvPr>
+            <p:ph idx="1"/>
+          </p:nvPr>
+        </p:nvSpPr>
+        <p:spPr>
+          <a:xfrm>
+            <a:off x="1043492" y="1927654"/>
+            <a:ext cx="6777317" cy="3904975"/>
+          </a:xfrm>
+        </p:spPr>
+        <p:txBody>
+          <a:bodyPr>
+            <a:normAutofit fontScale="85000" lnSpcReduction="10000"/>
+          </a:bodyPr>
+          <a:lstStyle/>
+          <a:p>
+            <a:r>
+              <a:rPr lang="en-US" dirty="0">
+                <a:solidFill>
+                  <a:schemeClr val="tx1"/>
+                </a:solidFill>
+              </a:rPr>
+              <a:t>Soundcloud appears to be the most talked about over the other four distributers</a:t>
+            </a:r>
+            <a:r>
+              <a:rPr lang="en-US" dirty="0" smtClean="0">
+                <a:solidFill>
+                  <a:schemeClr val="tx1"/>
+                </a:solidFill>
+                <a:hlinkClick r:id="rId2"/>
+              </a:rPr>
+              <a:t>¶</a:t>
+            </a:r>
+            <a:endParaRPr lang="en-US" dirty="0" smtClean="0">
+              <a:solidFill>
+                <a:schemeClr val="tx1"/>
+              </a:solidFill>
+            </a:endParaRPr>
+          </a:p>
+          <a:p>
+            <a:endParaRPr lang="en-US" dirty="0" smtClean="0">
+              <a:solidFill>
+                <a:schemeClr val="tx1"/>
+              </a:solidFill>
+            </a:endParaRPr>
+          </a:p>
+          <a:p>
+            <a:r>
+              <a:rPr lang="en-US" dirty="0" smtClean="0">
+                <a:solidFill>
+                  <a:schemeClr val="tx1"/>
+                </a:solidFill>
+              </a:rPr>
+              <a:t>When looking at bigrams for comments, </a:t>
+            </a:r>
+            <a:r>
+              <a:rPr lang="en-US" dirty="0">
+                <a:solidFill>
+                  <a:schemeClr val="tx1"/>
+                </a:solidFill>
+              </a:rPr>
+              <a:t>The most popular words are related to sharing video's, SoundCloud, watching YouTube, ITunes, Apple, Facebook, and Michael Jackson songs</a:t>
+            </a:r>
+            <a:r>
+              <a:rPr lang="en-US" dirty="0" smtClean="0">
+                <a:solidFill>
+                  <a:schemeClr val="tx1"/>
+                </a:solidFill>
+                <a:hlinkClick r:id="rId3"/>
+              </a:rPr>
+              <a:t>¶</a:t>
+            </a:r>
+            <a:endParaRPr lang="en-US" dirty="0" smtClean="0">
+              <a:solidFill>
+                <a:schemeClr val="tx1"/>
+              </a:solidFill>
+            </a:endParaRPr>
+          </a:p>
+          <a:p>
+            <a:endParaRPr lang="en-US" dirty="0" smtClean="0">
+              <a:solidFill>
+                <a:schemeClr val="tx1"/>
+              </a:solidFill>
+            </a:endParaRPr>
+          </a:p>
+          <a:p>
+            <a:r>
+              <a:rPr lang="en-US" dirty="0" smtClean="0">
+                <a:solidFill>
+                  <a:schemeClr val="tx1"/>
+                </a:solidFill>
+              </a:rPr>
+              <a:t>Sharing and watching media online is very popular with Soundcloud a popular source,</a:t>
+            </a:r>
+            <a:endParaRPr lang="en-US" dirty="0">
+              <a:solidFill>
+                <a:schemeClr val="tx1"/>
+              </a:solidFill>
+            </a:endParaRPr>
+          </a:p>
+        </p:txBody>
+      </p:sp>
+      <p:sp>
+        <p:nvSpPr>
+          <p:cNvPr id="2" name="Title 1"/>
+          <p:cNvSpPr>
+            <a:spLocks noGrp="1"/>
+          </p:cNvSpPr>
+          <p:nvPr>
+            <p:ph type="title"/>
+          </p:nvPr>
+        </p:nvSpPr>
+        <p:spPr>
+          <a:xfrm>
+            <a:off x="1043490" y="399523"/>
+            <a:ext cx="7024744" cy="726995"/>
+          </a:xfrm>
+        </p:spPr>
+        <p:txBody>
+          <a:bodyPr>
+            <a:normAutofit/>
+          </a:bodyPr>
+          <a:lstStyle/>
+          <a:p>
+            <a:r>
+              <a:rPr lang="en-US" sz="3200" dirty="0" smtClean="0"/>
+              <a:t>Methods and Results (continued)</a:t>
+            </a:r>
+            <a:endParaRPr lang="en-US" sz="3200" dirty="0"/>
+          </a:p>
+        </p:txBody>
+      </p:sp>
+    </p:spTree>
+    <p:extLst>
+      <p:ext uri="{BB962C8B-B14F-4D97-AF65-F5344CB8AC3E}">
+        <p14:creationId xmlns:p14="http://schemas.microsoft.com/office/powerpoint/2010/main" val="3203917718"/>
+      </p:ext>
+    </p:extLst>
+  </p:cSld>
+  <p:clrMapOvr>
+    <a:masterClrMapping/>
+  </p:clrMapOvr>
+  <p:transition advTm="30719">
+    <p:cut/>
+  </p:transition>
+  <p:timing>
+    <p:tnLst>
+      <p:par>
+        <p:cTn id="1" dur="indefinite" restart="never" nodeType="tmRoot"/>
+      </p:par>
+    </p:tnLst>
+  </p:timing>
 </p:sld>
 </file>
 
@@ -5855,128 +5900,82 @@
         </p:nvSpPr>
         <p:spPr>
           <a:xfrm>
-            <a:off x="642552" y="1606379"/>
-            <a:ext cx="8007178" cy="4670854"/>
+            <a:off x="1043492" y="1878228"/>
+            <a:ext cx="6777317" cy="3954402"/>
           </a:xfrm>
         </p:spPr>
         <p:txBody>
+          <a:bodyPr/>
+          <a:lstStyle/>
+          <a:p>
+            <a:endParaRPr lang="en-US" i="1" dirty="0" smtClean="0"/>
+          </a:p>
+          <a:p>
+            <a:r>
+              <a:rPr lang="en-US" dirty="0" smtClean="0"/>
+              <a:t>The </a:t>
+            </a:r>
+            <a:r>
+              <a:rPr lang="en-US" dirty="0"/>
+              <a:t>file, "Reverbnation.gdf" was generated from Netvizz with a crawl depth of 1 for “Page Like Network”. This file was imported into Gephi for </a:t>
+            </a:r>
+            <a:r>
+              <a:rPr lang="en-US" dirty="0" smtClean="0"/>
+              <a:t>analysis and visualization.</a:t>
+            </a:r>
+          </a:p>
+        </p:txBody>
+      </p:sp>
+      <p:sp>
+        <p:nvSpPr>
+          <p:cNvPr id="2" name="Title 1"/>
+          <p:cNvSpPr>
+            <a:spLocks noGrp="1"/>
+          </p:cNvSpPr>
+          <p:nvPr>
+            <p:ph type="title"/>
+          </p:nvPr>
+        </p:nvSpPr>
+        <p:spPr>
+          <a:xfrm>
+            <a:off x="1043492" y="325382"/>
+            <a:ext cx="7024744" cy="702282"/>
+          </a:xfrm>
+        </p:spPr>
+        <p:txBody>
           <a:bodyPr>
-            <a:normAutofit fontScale="85000" lnSpcReduction="10000"/>
+            <a:normAutofit/>
           </a:bodyPr>
           <a:lstStyle/>
           <a:p>
             <a:r>
-              <a:rPr lang="en-US" dirty="0"/>
-              <a:t>Major organizations, internal organizations, media, concerts, public figures are most important to Reverbnation.</a:t>
-            </a:r>
-          </a:p>
-          <a:p>
-            <a:pPr marL="68580" indent="0">
-              <a:buNone/>
-            </a:pPr>
-            <a:endParaRPr lang="en-US" dirty="0" smtClean="0"/>
-          </a:p>
-          <a:p>
-            <a:r>
-              <a:rPr lang="en-US" dirty="0" smtClean="0"/>
-              <a:t>There are two major nodes in this  visualization:</a:t>
-            </a:r>
-          </a:p>
-          <a:p>
-            <a:pPr marL="68580" indent="0">
-              <a:buNone/>
-            </a:pPr>
-            <a:r>
-              <a:rPr lang="en-US" dirty="0" smtClean="0"/>
-              <a:t>    ReverbNation and IDYLL Connect, both internal                                 </a:t>
-            </a:r>
-          </a:p>
-          <a:p>
-            <a:endParaRPr lang="en-US" dirty="0"/>
-          </a:p>
-          <a:p>
-            <a:r>
-              <a:rPr lang="en-US" dirty="0" smtClean="0"/>
-              <a:t>These two show in the top entities </a:t>
-            </a:r>
-            <a:r>
-              <a:rPr lang="en-US" dirty="0"/>
-              <a:t>with the highest betweenness </a:t>
-            </a:r>
-            <a:r>
-              <a:rPr lang="en-US" dirty="0" smtClean="0"/>
-              <a:t>centrality along with the Wakarusa </a:t>
-            </a:r>
-            <a:r>
-              <a:rPr lang="en-US" dirty="0"/>
-              <a:t>(music fest</a:t>
-            </a:r>
-            <a:r>
-              <a:rPr lang="en-US" dirty="0" smtClean="0"/>
-              <a:t>). They also the highest weighted degree.</a:t>
-            </a:r>
-          </a:p>
-          <a:p>
-            <a:endParaRPr lang="en-US" dirty="0"/>
-          </a:p>
-          <a:p>
-            <a:r>
-              <a:rPr lang="en-US" dirty="0" smtClean="0"/>
-              <a:t>The number of communities after running the modularity statistic is 13.</a:t>
-            </a:r>
-            <a:endParaRPr lang="en-US" dirty="0"/>
-          </a:p>
-          <a:p>
-            <a:pPr marL="68580" indent="0">
-              <a:buNone/>
-            </a:pPr>
-            <a:endParaRPr lang="en-US" dirty="0"/>
-          </a:p>
-        </p:txBody>
-      </p:sp>
-      <p:sp>
-        <p:nvSpPr>
-          <p:cNvPr id="2" name="Title 1"/>
-          <p:cNvSpPr>
-            <a:spLocks noGrp="1"/>
-          </p:cNvSpPr>
-          <p:nvPr>
-            <p:ph type="title"/>
-          </p:nvPr>
-        </p:nvSpPr>
-        <p:spPr>
-          <a:xfrm>
-            <a:off x="1049016" y="448950"/>
-            <a:ext cx="7024742" cy="578714"/>
-          </a:xfrm>
-        </p:spPr>
-        <p:txBody>
-          <a:bodyPr>
-            <a:normAutofit fontScale="90000"/>
-          </a:bodyPr>
-          <a:lstStyle/>
-          <a:p>
-            <a:r>
-              <a:rPr lang="en-US" dirty="0" smtClean="0"/>
-              <a:t>Results – Network Analysis</a:t>
-            </a:r>
-            <a:endParaRPr lang="en-US" dirty="0"/>
+              <a:rPr lang="en-US" sz="3200" dirty="0" smtClean="0"/>
+              <a:t>Results - Network Analysis</a:t>
+            </a:r>
+            <a:endParaRPr lang="en-US" sz="3200" dirty="0"/>
           </a:p>
         </p:txBody>
       </p:sp>
     </p:spTree>
     <p:extLst>
       <p:ext uri="{BB962C8B-B14F-4D97-AF65-F5344CB8AC3E}">
-        <p14:creationId xmlns:p14="http://schemas.microsoft.com/office/powerpoint/2010/main" val="2773062799"/>
+        <p14:creationId xmlns:p14="http://schemas.microsoft.com/office/powerpoint/2010/main" val="3247213510"/>
       </p:ext>
     </p:extLst>
   </p:cSld>
   <p:clrMapOvr>
     <a:masterClrMapping/>
   </p:clrMapOvr>
-  <p:transition>
+  <p:transition advTm="21225">
     <p:cut/>
   </p:transition>
+  <p:timing>
+    <p:tnLst>
+      <p:par>
+        <p:cTn id="1" dur="indefinite" restart="never" nodeType="tmRoot"/>
+      </p:par>
+    </p:tnLst>
+  </p:timing>
 </p:sld>
 </file>
 
@@ -5997,46 +5996,35 @@
           <a:chExt cx="0" cy="0"/>
         </a:xfrm>
       </p:grpSpPr>
-      <p:sp>
-        <p:nvSpPr>
-          <p:cNvPr id="3" name="Content Placeholder 2"/>
-          <p:cNvSpPr>
-            <a:spLocks noGrp="1"/>
-          </p:cNvSpPr>
+      <p:pic>
+        <p:nvPicPr>
+          <p:cNvPr id="4" name="Content Placeholder 3"/>
+          <p:cNvPicPr>
+            <a:picLocks noGrp="1" noChangeAspect="1"/>
+          </p:cNvPicPr>
           <p:nvPr>
             <p:ph idx="1"/>
           </p:nvPr>
-        </p:nvSpPr>
+        </p:nvPicPr>
+        <p:blipFill>
+          <a:blip r:embed="rId2">
+            <a:extLst>
+              <a:ext uri="{28A0092B-C50C-407E-A947-70E740481C1C}">
+                <a14:useLocalDpi xmlns:a14="http://schemas.microsoft.com/office/drawing/2010/main" val="0"/>
+              </a:ext>
+            </a:extLst>
+          </a:blip>
+          <a:stretch>
+            <a:fillRect/>
+          </a:stretch>
+        </p:blipFill>
         <p:spPr>
           <a:xfrm>
-            <a:off x="1043492" y="1606378"/>
-            <a:ext cx="6777317" cy="4226251"/>
+            <a:off x="222422" y="1062680"/>
+            <a:ext cx="8649729" cy="5795319"/>
           </a:xfrm>
         </p:spPr>
-        <p:txBody>
-          <a:bodyPr/>
-          <a:lstStyle/>
-          <a:p>
-            <a:endParaRPr lang="en-US" dirty="0" smtClean="0"/>
-          </a:p>
-          <a:p>
-            <a:r>
-              <a:rPr lang="en-US" dirty="0" smtClean="0"/>
-              <a:t>Extracted tweets from Twitter using Tweepy.  </a:t>
-            </a:r>
-          </a:p>
-          <a:p>
-            <a:endParaRPr lang="en-US" dirty="0"/>
-          </a:p>
-          <a:p>
-            <a:r>
-              <a:rPr lang="en-US" dirty="0" smtClean="0"/>
-              <a:t>Criteria was digital music topics in general to see which of the five digital music publishing and distribution sites were tweeted about.</a:t>
-            </a:r>
-            <a:endParaRPr lang="en-US" dirty="0"/>
-          </a:p>
-        </p:txBody>
-      </p:sp>
+      </p:pic>
       <p:sp>
         <p:nvSpPr>
           <p:cNvPr id="2" name="Title 1"/>
@@ -6049,8 +6037,8 @@
         </p:nvSpPr>
         <p:spPr>
           <a:xfrm>
-            <a:off x="1043492" y="448950"/>
-            <a:ext cx="7024742" cy="578714"/>
+            <a:off x="469557" y="494270"/>
+            <a:ext cx="8402594" cy="568411"/>
           </a:xfrm>
         </p:spPr>
         <p:txBody>
@@ -6060,26 +6048,33 @@
           <a:lstStyle/>
           <a:p>
             <a:r>
-              <a:rPr lang="en-US" dirty="0" smtClean="0"/>
-              <a:t>Methods and Results - Twitter</a:t>
-            </a:r>
-            <a:endParaRPr lang="en-US" dirty="0"/>
+              <a:rPr lang="en-US" sz="3200" dirty="0" smtClean="0"/>
+              <a:t>Results – Network Analysis</a:t>
+            </a:r>
+            <a:endParaRPr lang="en-US" sz="3200" dirty="0"/>
           </a:p>
         </p:txBody>
       </p:sp>
     </p:spTree>
     <p:extLst>
       <p:ext uri="{BB962C8B-B14F-4D97-AF65-F5344CB8AC3E}">
-        <p14:creationId xmlns:p14="http://schemas.microsoft.com/office/powerpoint/2010/main" val="1880424971"/>
+        <p14:creationId xmlns:p14="http://schemas.microsoft.com/office/powerpoint/2010/main" val="785432046"/>
       </p:ext>
     </p:extLst>
   </p:cSld>
   <p:clrMapOvr>
     <a:masterClrMapping/>
   </p:clrMapOvr>
-  <p:transition>
+  <p:transition advTm="28848">
     <p:cut/>
   </p:transition>
+  <p:timing>
+    <p:tnLst>
+      <p:par>
+        <p:cTn id="1" dur="indefinite" restart="never" nodeType="tmRoot"/>
+      </p:par>
+    </p:tnLst>
+  </p:timing>
 </p:sld>
 </file>
 
@@ -6110,108 +6105,137 @@
             <p:ph idx="1"/>
           </p:nvPr>
         </p:nvSpPr>
-        <p:spPr/>
-        <p:txBody>
-          <a:bodyPr/>
-          <a:lstStyle/>
-          <a:p>
-            <a:endParaRPr lang="en-US" dirty="0" smtClean="0"/>
-          </a:p>
-          <a:p>
-            <a:r>
-              <a:rPr lang="en-US" dirty="0" smtClean="0"/>
-              <a:t>Tweets containing the </a:t>
-            </a:r>
-            <a:r>
-              <a:rPr lang="en-US" dirty="0"/>
-              <a:t>hashtag #</a:t>
-            </a:r>
-            <a:r>
-              <a:rPr lang="en-US" dirty="0" smtClean="0"/>
-              <a:t>Soundcloud appears be about hip </a:t>
-            </a:r>
-            <a:r>
-              <a:rPr lang="en-US" dirty="0"/>
-              <a:t>hop beats, </a:t>
-            </a:r>
-            <a:r>
-              <a:rPr lang="en-US" dirty="0" smtClean="0"/>
-              <a:t>DJ's</a:t>
-            </a:r>
-            <a:r>
-              <a:rPr lang="en-US" dirty="0"/>
-              <a:t>, Indie type groups, rock, </a:t>
-            </a:r>
-            <a:r>
-              <a:rPr lang="en-US" dirty="0" smtClean="0"/>
-              <a:t>and radio -  </a:t>
-            </a:r>
-            <a:r>
-              <a:rPr lang="en-US" dirty="0" err="1" smtClean="0"/>
-              <a:t>Totalng</a:t>
-            </a:r>
-            <a:r>
-              <a:rPr lang="en-US" dirty="0" smtClean="0"/>
-              <a:t> 18</a:t>
-            </a:r>
-            <a:endParaRPr lang="en-US" dirty="0"/>
-          </a:p>
-          <a:p>
-            <a:endParaRPr lang="en-US" dirty="0" smtClean="0"/>
-          </a:p>
-          <a:p>
-            <a:r>
-              <a:rPr lang="en-US" dirty="0" smtClean="0"/>
-              <a:t>Soundcloud had the largest occurrence is this  data extract of all of the sites.</a:t>
-            </a:r>
-            <a:endParaRPr lang="en-US" dirty="0"/>
-          </a:p>
-        </p:txBody>
-      </p:sp>
-      <p:sp>
-        <p:nvSpPr>
-          <p:cNvPr id="2" name="Title 1"/>
-          <p:cNvSpPr>
-            <a:spLocks noGrp="1"/>
-          </p:cNvSpPr>
-          <p:nvPr>
-            <p:ph type="title"/>
-          </p:nvPr>
-        </p:nvSpPr>
         <p:spPr>
           <a:xfrm>
-            <a:off x="1216487" y="325382"/>
-            <a:ext cx="7024742" cy="910294"/>
+            <a:off x="642552" y="1606379"/>
+            <a:ext cx="8007178" cy="4670854"/>
           </a:xfrm>
         </p:spPr>
         <p:txBody>
           <a:bodyPr>
-            <a:normAutofit/>
+            <a:normAutofit fontScale="85000" lnSpcReduction="10000"/>
           </a:bodyPr>
           <a:lstStyle/>
           <a:p>
-            <a:pPr algn="ctr"/>
-            <a:r>
-              <a:rPr lang="en-US" sz="3200" dirty="0" smtClean="0"/>
-              <a:t>Methods and Results - Twitter</a:t>
-            </a:r>
-            <a:endParaRPr lang="en-US" sz="3200" dirty="0"/>
+            <a:r>
+              <a:rPr lang="en-US" dirty="0"/>
+              <a:t>Major organizations, internal organizations, media, concerts, public figures are most important to Reverbnation.</a:t>
+            </a:r>
+          </a:p>
+          <a:p>
+            <a:pPr marL="68580" indent="0">
+              <a:buNone/>
+            </a:pPr>
+            <a:endParaRPr lang="en-US" dirty="0" smtClean="0"/>
+          </a:p>
+          <a:p>
+            <a:r>
+              <a:rPr lang="en-US" dirty="0" smtClean="0"/>
+              <a:t>There are two major nodes in this  visualization:</a:t>
+            </a:r>
+          </a:p>
+          <a:p>
+            <a:pPr marL="68580" indent="0">
+              <a:buNone/>
+            </a:pPr>
+            <a:r>
+              <a:rPr lang="en-US" dirty="0" smtClean="0"/>
+              <a:t>    ReverbNation and IDYLL Connect, both internal                                 </a:t>
+            </a:r>
+          </a:p>
+          <a:p>
+            <a:endParaRPr lang="en-US" dirty="0"/>
+          </a:p>
+          <a:p>
+            <a:r>
+              <a:rPr lang="en-US" dirty="0" smtClean="0"/>
+              <a:t>These two show in the top entities </a:t>
+            </a:r>
+            <a:r>
+              <a:rPr lang="en-US" dirty="0"/>
+              <a:t>with the highest betweenness </a:t>
+            </a:r>
+            <a:r>
+              <a:rPr lang="en-US" dirty="0" smtClean="0"/>
+              <a:t>centrality along with the Wakarusa </a:t>
+            </a:r>
+            <a:r>
+              <a:rPr lang="en-US" dirty="0"/>
+              <a:t>(music fest</a:t>
+            </a:r>
+            <a:r>
+              <a:rPr lang="en-US" dirty="0" smtClean="0"/>
+              <a:t>). They also the highest weighted degree.</a:t>
+            </a:r>
+          </a:p>
+          <a:p>
+            <a:endParaRPr lang="en-US" dirty="0"/>
+          </a:p>
+          <a:p>
+            <a:r>
+              <a:rPr lang="en-US" dirty="0" smtClean="0"/>
+              <a:t>The number of communities after running the modularity statistic is 13.</a:t>
+            </a:r>
+            <a:endParaRPr lang="en-US" dirty="0"/>
+          </a:p>
+          <a:p>
+            <a:pPr marL="68580" indent="0">
+              <a:buNone/>
+            </a:pPr>
+            <a:endParaRPr lang="en-US" dirty="0"/>
+          </a:p>
+        </p:txBody>
+      </p:sp>
+      <p:sp>
+        <p:nvSpPr>
+          <p:cNvPr id="2" name="Title 1"/>
+          <p:cNvSpPr>
+            <a:spLocks noGrp="1"/>
+          </p:cNvSpPr>
+          <p:nvPr>
+            <p:ph type="title"/>
+          </p:nvPr>
+        </p:nvSpPr>
+        <p:spPr>
+          <a:xfrm>
+            <a:off x="1049016" y="448950"/>
+            <a:ext cx="7024742" cy="578714"/>
+          </a:xfrm>
+        </p:spPr>
+        <p:txBody>
+          <a:bodyPr>
+            <a:normAutofit fontScale="90000"/>
+          </a:bodyPr>
+          <a:lstStyle/>
+          <a:p>
+            <a:r>
+              <a:rPr lang="en-US" dirty="0" smtClean="0"/>
+              <a:t>Results – Network Analysis</a:t>
+            </a:r>
+            <a:endParaRPr lang="en-US" dirty="0"/>
           </a:p>
         </p:txBody>
       </p:sp>
     </p:spTree>
     <p:extLst>
       <p:ext uri="{BB962C8B-B14F-4D97-AF65-F5344CB8AC3E}">
-        <p14:creationId xmlns:p14="http://schemas.microsoft.com/office/powerpoint/2010/main" val="2790809086"/>
+        <p14:creationId xmlns:p14="http://schemas.microsoft.com/office/powerpoint/2010/main" val="2773062799"/>
       </p:ext>
     </p:extLst>
   </p:cSld>
   <p:clrMapOvr>
     <a:masterClrMapping/>
   </p:clrMapOvr>
-  <p:transition>
+  <p:transition advTm="57634">
     <p:cut/>
   </p:transition>
+  <p:timing>
+    <p:tnLst>
+      <p:par>
+        <p:cTn id="1" dur="indefinite" restart="never" nodeType="tmRoot"/>
+      </p:par>
+    </p:tnLst>
+  </p:timing>
 </p:sld>
 </file>
 
@@ -6242,85 +6266,61 @@
             <p:ph idx="1"/>
           </p:nvPr>
         </p:nvSpPr>
-        <p:spPr/>
+        <p:spPr>
+          <a:xfrm>
+            <a:off x="1043492" y="1606378"/>
+            <a:ext cx="6777317" cy="4226251"/>
+          </a:xfrm>
+        </p:spPr>
         <p:txBody>
           <a:bodyPr/>
           <a:lstStyle/>
           <a:p>
+            <a:endParaRPr lang="en-US" dirty="0" smtClean="0"/>
+          </a:p>
+          <a:p>
             <a:r>
               <a:rPr lang="en-US" dirty="0" smtClean="0"/>
-              <a:t>Hashtags for </a:t>
-            </a:r>
-            <a:r>
-              <a:rPr lang="en-US" dirty="0" err="1" smtClean="0"/>
-              <a:t>Tunecore</a:t>
-            </a:r>
-            <a:r>
-              <a:rPr lang="en-US" dirty="0"/>
-              <a:t> </a:t>
-            </a:r>
+              <a:t>Extracted tweets from Twitter using Tweepy.  </a:t>
+            </a:r>
+          </a:p>
+          <a:p>
+            <a:endParaRPr lang="en-US" dirty="0"/>
+          </a:p>
+          <a:p>
             <a:r>
               <a:rPr lang="en-US" dirty="0" smtClean="0"/>
-              <a:t>and Bandcamp were not found.</a:t>
-            </a:r>
-          </a:p>
-          <a:p>
-            <a:pPr marL="68580" indent="0">
-              <a:buNone/>
-            </a:pPr>
-            <a:endParaRPr lang="en-US" dirty="0" smtClean="0"/>
-          </a:p>
+              <a:t>Criteria was digital music topics in general to see which of the five digital music publishing and distribution sites were tweeted about.</a:t>
+            </a:r>
+            <a:endParaRPr lang="en-US" dirty="0"/>
+          </a:p>
+        </p:txBody>
+      </p:sp>
+      <p:sp>
+        <p:nvSpPr>
+          <p:cNvPr id="2" name="Title 1"/>
+          <p:cNvSpPr>
+            <a:spLocks noGrp="1"/>
+          </p:cNvSpPr>
+          <p:nvPr>
+            <p:ph type="title"/>
+          </p:nvPr>
+        </p:nvSpPr>
+        <p:spPr>
+          <a:xfrm>
+            <a:off x="1043492" y="448950"/>
+            <a:ext cx="7024742" cy="578714"/>
+          </a:xfrm>
+        </p:spPr>
+        <p:txBody>
+          <a:bodyPr>
+            <a:normAutofit fontScale="90000"/>
+          </a:bodyPr>
+          <a:lstStyle/>
           <a:p>
             <a:r>
               <a:rPr lang="en-US" dirty="0" smtClean="0"/>
-              <a:t>Other hashtags occurred such as Indie and </a:t>
-            </a:r>
-            <a:r>
-              <a:rPr lang="en-US" dirty="0" err="1" smtClean="0"/>
-              <a:t>Indiemusic</a:t>
-            </a:r>
-            <a:r>
-              <a:rPr lang="en-US" dirty="0"/>
-              <a:t> </a:t>
-            </a:r>
-            <a:r>
-              <a:rPr lang="en-US" dirty="0" smtClean="0"/>
-              <a:t>totaling 127 rows. </a:t>
-            </a:r>
-          </a:p>
-          <a:p>
-            <a:endParaRPr lang="en-US" dirty="0"/>
-          </a:p>
-          <a:p>
-            <a:r>
-              <a:rPr lang="en-US" dirty="0" smtClean="0"/>
-              <a:t>This indicates that Indie bands utilize these sites, especially Soundcloud.</a:t>
-            </a:r>
-            <a:endParaRPr lang="en-US" dirty="0"/>
-          </a:p>
-          <a:p>
-            <a:endParaRPr lang="en-US" dirty="0"/>
-          </a:p>
-        </p:txBody>
-      </p:sp>
-      <p:sp>
-        <p:nvSpPr>
-          <p:cNvPr id="2" name="Title 1"/>
-          <p:cNvSpPr>
-            <a:spLocks noGrp="1"/>
-          </p:cNvSpPr>
-          <p:nvPr>
-            <p:ph type="title"/>
-          </p:nvPr>
-        </p:nvSpPr>
-        <p:spPr/>
-        <p:txBody>
-          <a:bodyPr/>
-          <a:lstStyle/>
-          <a:p>
-            <a:r>
-              <a:rPr lang="en-US" dirty="0" smtClean="0"/>
-              <a:t>Results Twitter - other</a:t>
+              <a:t>Methods and Results - Twitter</a:t>
             </a:r>
             <a:endParaRPr lang="en-US" dirty="0"/>
           </a:p>
@@ -6329,16 +6329,23 @@
     </p:spTree>
     <p:extLst>
       <p:ext uri="{BB962C8B-B14F-4D97-AF65-F5344CB8AC3E}">
-        <p14:creationId xmlns:p14="http://schemas.microsoft.com/office/powerpoint/2010/main" val="4034970981"/>
+        <p14:creationId xmlns:p14="http://schemas.microsoft.com/office/powerpoint/2010/main" val="1880424971"/>
       </p:ext>
     </p:extLst>
   </p:cSld>
   <p:clrMapOvr>
     <a:masterClrMapping/>
   </p:clrMapOvr>
-  <p:transition>
+  <p:transition advTm="21791">
     <p:cut/>
   </p:transition>
+  <p:timing>
+    <p:tnLst>
+      <p:par>
+        <p:cTn id="1" dur="indefinite" restart="never" nodeType="tmRoot"/>
+      </p:par>
+    </p:tnLst>
+  </p:timing>
 </p:sld>
 </file>
 
@@ -6361,7 +6368,7 @@
       </p:grpSpPr>
       <p:sp>
         <p:nvSpPr>
-          <p:cNvPr id="8195" name="Content Placeholder 2"/>
+          <p:cNvPr id="3" name="Content Placeholder 2"/>
           <p:cNvSpPr>
             <a:spLocks noGrp="1"/>
           </p:cNvSpPr>
@@ -6374,50 +6381,54 @@
           <a:bodyPr/>
           <a:lstStyle/>
           <a:p>
-            <a:pPr marL="68580" indent="0">
-              <a:buNone/>
-            </a:pPr>
-            <a:r>
-              <a:rPr lang="en-US" altLang="en-US" dirty="0"/>
-              <a:t>Playlists are becoming a more popular product.</a:t>
-            </a:r>
-          </a:p>
-          <a:p>
-            <a:pPr marL="68580" indent="0" eaLnBrk="1" hangingPunct="1">
-              <a:buNone/>
-            </a:pPr>
-            <a:endParaRPr lang="en-US" altLang="en-US" dirty="0" smtClean="0"/>
-          </a:p>
-          <a:p>
-            <a:pPr marL="68580" indent="0" eaLnBrk="1" hangingPunct="1">
-              <a:buNone/>
-            </a:pPr>
-            <a:r>
-              <a:rPr lang="en-US" altLang="en-US" dirty="0" smtClean="0"/>
-              <a:t>One of the more popular genres is hip hop.  A recording studio can produce ‘Beats’ and sell them online.</a:t>
-            </a:r>
-          </a:p>
-          <a:p>
-            <a:pPr marL="68580" indent="0" eaLnBrk="1" hangingPunct="1">
-              <a:buNone/>
-            </a:pPr>
-            <a:endParaRPr lang="en-US" altLang="en-US" dirty="0"/>
-          </a:p>
-          <a:p>
-            <a:pPr marL="68580" indent="0" eaLnBrk="1" hangingPunct="1">
-              <a:buNone/>
-            </a:pPr>
-            <a:r>
-              <a:rPr lang="en-US" altLang="en-US" dirty="0" smtClean="0"/>
-              <a:t>Another popular genre is Indie Music.</a:t>
-            </a:r>
-            <a:endParaRPr lang="en-US" altLang="en-US" dirty="0" smtClean="0"/>
-          </a:p>
-        </p:txBody>
-      </p:sp>
-      <p:sp>
-        <p:nvSpPr>
-          <p:cNvPr id="8194" name="Title 1"/>
+            <a:endParaRPr lang="en-US" dirty="0" smtClean="0"/>
+          </a:p>
+          <a:p>
+            <a:r>
+              <a:rPr lang="en-US" dirty="0" smtClean="0"/>
+              <a:t>Tweets containing the </a:t>
+            </a:r>
+            <a:r>
+              <a:rPr lang="en-US" dirty="0"/>
+              <a:t>hashtag #</a:t>
+            </a:r>
+            <a:r>
+              <a:rPr lang="en-US" dirty="0" smtClean="0"/>
+              <a:t>Soundcloud appears be about hip </a:t>
+            </a:r>
+            <a:r>
+              <a:rPr lang="en-US" dirty="0"/>
+              <a:t>hop beats, </a:t>
+            </a:r>
+            <a:r>
+              <a:rPr lang="en-US" dirty="0" smtClean="0"/>
+              <a:t>DJ's</a:t>
+            </a:r>
+            <a:r>
+              <a:rPr lang="en-US" dirty="0"/>
+              <a:t>, Indie type groups, rock, </a:t>
+            </a:r>
+            <a:r>
+              <a:rPr lang="en-US" dirty="0" smtClean="0"/>
+              <a:t>and radio -  Total 18</a:t>
+            </a:r>
+            <a:endParaRPr lang="en-US" dirty="0"/>
+          </a:p>
+          <a:p>
+            <a:endParaRPr lang="en-US" dirty="0" smtClean="0"/>
+          </a:p>
+          <a:p>
+            <a:r>
+              <a:rPr lang="en-US" dirty="0" smtClean="0"/>
+              <a:t>Soundcloud had the largest occurrence.</a:t>
+            </a:r>
+            <a:endParaRPr lang="en-US" dirty="0"/>
+          </a:p>
+        </p:txBody>
+      </p:sp>
+      <p:sp>
+        <p:nvSpPr>
+          <p:cNvPr id="2" name="Title 1"/>
           <p:cNvSpPr>
             <a:spLocks noGrp="1"/>
           </p:cNvSpPr>
@@ -6425,29 +6436,38 @@
             <p:ph type="title"/>
           </p:nvPr>
         </p:nvSpPr>
-        <p:spPr/>
-        <p:txBody>
-          <a:bodyPr/>
+        <p:spPr>
+          <a:xfrm>
+            <a:off x="1216487" y="325382"/>
+            <a:ext cx="7024742" cy="910294"/>
+          </a:xfrm>
+        </p:spPr>
+        <p:txBody>
+          <a:bodyPr>
+            <a:normAutofit/>
+          </a:bodyPr>
           <a:lstStyle/>
           <a:p>
-            <a:pPr eaLnBrk="1" hangingPunct="1"/>
-            <a:r>
-              <a:rPr lang="en-US" altLang="en-US" dirty="0" smtClean="0"/>
-              <a:t>Findings </a:t>
-            </a:r>
-            <a:r>
-              <a:rPr lang="en-US" altLang="en-US" dirty="0" smtClean="0"/>
-              <a:t>/ Results</a:t>
-            </a:r>
+            <a:pPr algn="ctr"/>
+            <a:r>
+              <a:rPr lang="en-US" sz="3200" dirty="0" smtClean="0"/>
+              <a:t>Methods and Results - Twitter</a:t>
+            </a:r>
+            <a:endParaRPr lang="en-US" sz="3200" dirty="0"/>
           </a:p>
         </p:txBody>
       </p:sp>
     </p:spTree>
+    <p:extLst>
+      <p:ext uri="{BB962C8B-B14F-4D97-AF65-F5344CB8AC3E}">
+        <p14:creationId xmlns:p14="http://schemas.microsoft.com/office/powerpoint/2010/main" val="2790809086"/>
+      </p:ext>
+    </p:extLst>
   </p:cSld>
   <p:clrMapOvr>
     <a:masterClrMapping/>
   </p:clrMapOvr>
-  <p:transition>
+  <p:transition advTm="25156">
     <p:cut/>
   </p:transition>
   <p:timing>
@@ -6479,7 +6499,7 @@
       </p:grpSpPr>
       <p:sp>
         <p:nvSpPr>
-          <p:cNvPr id="9219" name="Content Placeholder 2"/>
+          <p:cNvPr id="3" name="Content Placeholder 2"/>
           <p:cNvSpPr>
             <a:spLocks noGrp="1"/>
           </p:cNvSpPr>
@@ -6487,53 +6507,135 @@
             <p:ph idx="1"/>
           </p:nvPr>
         </p:nvSpPr>
-        <p:spPr>
-          <a:xfrm>
-            <a:off x="1043490" y="1853514"/>
-            <a:ext cx="6777319" cy="3979115"/>
-          </a:xfrm>
-        </p:spPr>
-        <p:txBody>
-          <a:bodyPr>
-            <a:normAutofit fontScale="85000" lnSpcReduction="20000"/>
-          </a:bodyPr>
+        <p:spPr/>
+        <p:txBody>
+          <a:bodyPr/>
           <a:lstStyle/>
           <a:p>
             <a:r>
-              <a:rPr lang="en-US" altLang="en-US" dirty="0"/>
-              <a:t>Based on the findings, the most popular and effective type of distribution is with a company that provides the most services for the musician</a:t>
-            </a:r>
-            <a:r>
-              <a:rPr lang="en-US" altLang="en-US" dirty="0" smtClean="0"/>
-              <a:t>.</a:t>
+              <a:rPr lang="en-US" dirty="0" smtClean="0"/>
+              <a:t>Hashtags for TuneCore and Bandcamp were not found.</a:t>
             </a:r>
           </a:p>
           <a:p>
             <a:pPr marL="68580" indent="0">
               <a:buNone/>
             </a:pPr>
-            <a:endParaRPr lang="en-US" altLang="en-US" dirty="0" smtClean="0"/>
-          </a:p>
-          <a:p>
-            <a:r>
-              <a:rPr lang="en-US" altLang="en-US" dirty="0" smtClean="0"/>
-              <a:t>Depending on the goals and experience of the musician, one distribution site may be more suited than another one. </a:t>
-            </a:r>
-          </a:p>
+            <a:endParaRPr lang="en-US" dirty="0" smtClean="0"/>
+          </a:p>
+          <a:p>
+            <a:r>
+              <a:rPr lang="en-US" dirty="0" smtClean="0"/>
+              <a:t>Hashtags Indie and </a:t>
+            </a:r>
+            <a:r>
+              <a:rPr lang="en-US" dirty="0" err="1" smtClean="0"/>
+              <a:t>IndieMusic</a:t>
+            </a:r>
+            <a:r>
+              <a:rPr lang="en-US" dirty="0" smtClean="0"/>
+              <a:t> totaled 127 rows. </a:t>
+            </a:r>
+          </a:p>
+          <a:p>
+            <a:endParaRPr lang="en-US" dirty="0"/>
+          </a:p>
+          <a:p>
+            <a:r>
+              <a:rPr lang="en-US" dirty="0" smtClean="0"/>
+              <a:t>This indicates that Indie bands utilize these sites, especially Soundcloud.</a:t>
+            </a:r>
+            <a:endParaRPr lang="en-US" dirty="0"/>
+          </a:p>
+          <a:p>
+            <a:endParaRPr lang="en-US" dirty="0"/>
+          </a:p>
+        </p:txBody>
+      </p:sp>
+      <p:sp>
+        <p:nvSpPr>
+          <p:cNvPr id="2" name="Title 1"/>
+          <p:cNvSpPr>
+            <a:spLocks noGrp="1"/>
+          </p:cNvSpPr>
+          <p:nvPr>
+            <p:ph type="title"/>
+          </p:nvPr>
+        </p:nvSpPr>
+        <p:spPr/>
+        <p:txBody>
+          <a:bodyPr/>
+          <a:lstStyle/>
+          <a:p>
+            <a:r>
+              <a:rPr lang="en-US" dirty="0" smtClean="0"/>
+              <a:t>Results Twitter - other</a:t>
+            </a:r>
+            <a:endParaRPr lang="en-US" dirty="0"/>
+          </a:p>
+        </p:txBody>
+      </p:sp>
+    </p:spTree>
+    <p:extLst>
+      <p:ext uri="{BB962C8B-B14F-4D97-AF65-F5344CB8AC3E}">
+        <p14:creationId xmlns:p14="http://schemas.microsoft.com/office/powerpoint/2010/main" val="4034970981"/>
+      </p:ext>
+    </p:extLst>
+  </p:cSld>
+  <p:clrMapOvr>
+    <a:masterClrMapping/>
+  </p:clrMapOvr>
+  <p:transition advTm="19771">
+    <p:cut/>
+  </p:transition>
+  <p:timing>
+    <p:tnLst>
+      <p:par>
+        <p:cTn id="1" dur="indefinite" restart="never" nodeType="tmRoot"/>
+      </p:par>
+    </p:tnLst>
+  </p:timing>
+</p:sld>
+</file>
+
+<file path=ppt/slides/slide19.xml><?xml version="1.0" encoding="utf-8"?>
+<p:sld xmlns:a="http://schemas.openxmlformats.org/drawingml/2006/main" xmlns:r="http://schemas.openxmlformats.org/officeDocument/2006/relationships" xmlns:p="http://schemas.openxmlformats.org/presentationml/2006/main">
+  <p:cSld>
+    <p:spTree>
+      <p:nvGrpSpPr>
+        <p:cNvPr id="1" name=""/>
+        <p:cNvGrpSpPr/>
+        <p:nvPr/>
+      </p:nvGrpSpPr>
+      <p:grpSpPr>
+        <a:xfrm>
+          <a:off x="0" y="0"/>
+          <a:ext cx="0" cy="0"/>
+          <a:chOff x="0" y="0"/>
+          <a:chExt cx="0" cy="0"/>
+        </a:xfrm>
+      </p:grpSpPr>
+      <p:sp>
+        <p:nvSpPr>
+          <p:cNvPr id="8195" name="Content Placeholder 2"/>
+          <p:cNvSpPr>
+            <a:spLocks noGrp="1"/>
+          </p:cNvSpPr>
+          <p:nvPr>
+            <p:ph idx="1"/>
+          </p:nvPr>
+        </p:nvSpPr>
+        <p:spPr/>
+        <p:txBody>
+          <a:bodyPr/>
+          <a:lstStyle/>
           <a:p>
             <a:pPr marL="68580" indent="0">
               <a:buNone/>
             </a:pPr>
-            <a:endParaRPr lang="en-US" altLang="en-US" dirty="0"/>
-          </a:p>
-          <a:p>
             <a:r>
               <a:rPr lang="en-US" altLang="en-US" dirty="0"/>
-              <a:t>The use of social media, such as Facebook and Twitter is essential in marketing music and video</a:t>
-            </a:r>
-            <a:r>
-              <a:rPr lang="en-US" altLang="en-US" dirty="0" smtClean="0"/>
-              <a:t>.</a:t>
+              <a:t>Playlists are becoming a more popular product.</a:t>
             </a:r>
           </a:p>
           <a:p>
@@ -6542,11 +6644,40 @@
             </a:pPr>
             <a:endParaRPr lang="en-US" altLang="en-US" dirty="0" smtClean="0"/>
           </a:p>
-        </p:txBody>
-      </p:sp>
-      <p:sp>
-        <p:nvSpPr>
-          <p:cNvPr id="9218" name="Title 1"/>
+          <a:p>
+            <a:pPr marL="68580" indent="0" eaLnBrk="1" hangingPunct="1">
+              <a:buNone/>
+            </a:pPr>
+            <a:r>
+              <a:rPr lang="en-US" altLang="en-US" dirty="0" smtClean="0"/>
+              <a:t>One of the more popular genres is hip hop.  A recording studio can produce ‘Beats’ and sell them online.</a:t>
+            </a:r>
+          </a:p>
+          <a:p>
+            <a:pPr marL="68580" indent="0" eaLnBrk="1" hangingPunct="1">
+              <a:buNone/>
+            </a:pPr>
+            <a:endParaRPr lang="en-US" altLang="en-US" dirty="0"/>
+          </a:p>
+          <a:p>
+            <a:pPr marL="68580" indent="0" eaLnBrk="1" hangingPunct="1">
+              <a:buNone/>
+            </a:pPr>
+            <a:r>
+              <a:rPr lang="en-US" altLang="en-US" dirty="0" smtClean="0"/>
+              <a:t>Indie music, basically alternative rock is mentioned more than any other genre</a:t>
+            </a:r>
+            <a:r>
+              <a:rPr lang="en-US" altLang="en-US" dirty="0" smtClean="0"/>
+              <a:t>. </a:t>
+            </a:r>
+            <a:endParaRPr lang="en-US" altLang="en-US" dirty="0" smtClean="0"/>
+          </a:p>
+        </p:txBody>
+      </p:sp>
+      <p:sp>
+        <p:nvSpPr>
+          <p:cNvPr id="8194" name="Title 1"/>
           <p:cNvSpPr>
             <a:spLocks noGrp="1"/>
           </p:cNvSpPr>
@@ -6554,24 +6685,20 @@
             <p:ph type="title"/>
           </p:nvPr>
         </p:nvSpPr>
-        <p:spPr>
-          <a:xfrm>
-            <a:off x="1043490" y="523090"/>
-            <a:ext cx="7024744" cy="504574"/>
-          </a:xfrm>
-        </p:spPr>
-        <p:txBody>
-          <a:bodyPr>
-            <a:normAutofit fontScale="90000"/>
-          </a:bodyPr>
+        <p:spPr/>
+        <p:txBody>
+          <a:bodyPr/>
           <a:lstStyle/>
           <a:p>
-            <a:pPr algn="ctr" eaLnBrk="1" hangingPunct="1"/>
+            <a:pPr eaLnBrk="1" hangingPunct="1"/>
             <a:r>
               <a:rPr lang="en-US" altLang="en-US" dirty="0" smtClean="0"/>
-              <a:t>  Conclusion</a:t>
-            </a:r>
-            <a:endParaRPr lang="en-US" altLang="en-US" dirty="0" smtClean="0"/>
+              <a:t>Findings </a:t>
+            </a:r>
+            <a:r>
+              <a:rPr lang="en-US" altLang="en-US" dirty="0" smtClean="0"/>
+              <a:t>/ Results</a:t>
+            </a:r>
           </a:p>
         </p:txBody>
       </p:sp>
@@ -6580,7 +6707,7 @@
   <p:clrMapOvr>
     <a:masterClrMapping/>
   </p:clrMapOvr>
-  <p:transition>
+  <p:transition advTm="29115">
     <p:cut/>
   </p:transition>
   <p:timing>
@@ -6622,8 +6749,8 @@
         </p:nvSpPr>
         <p:spPr>
           <a:xfrm>
-            <a:off x="1043490" y="1359825"/>
-            <a:ext cx="6777317" cy="4645559"/>
+            <a:off x="716692" y="1359825"/>
+            <a:ext cx="7850659" cy="4645559"/>
           </a:xfrm>
         </p:spPr>
         <p:txBody>
@@ -6748,7 +6875,140 @@
   <p:clrMapOvr>
     <a:masterClrMapping/>
   </p:clrMapOvr>
-  <p:transition>
+  <p:transition advTm="34772">
+    <p:cut/>
+  </p:transition>
+  <p:timing>
+    <p:tnLst>
+      <p:par>
+        <p:cTn id="1" dur="indefinite" restart="never" nodeType="tmRoot"/>
+      </p:par>
+    </p:tnLst>
+  </p:timing>
+</p:sld>
+</file>
+
+<file path=ppt/slides/slide20.xml><?xml version="1.0" encoding="utf-8"?>
+<p:sld xmlns:a="http://schemas.openxmlformats.org/drawingml/2006/main" xmlns:r="http://schemas.openxmlformats.org/officeDocument/2006/relationships" xmlns:p="http://schemas.openxmlformats.org/presentationml/2006/main">
+  <p:cSld>
+    <p:spTree>
+      <p:nvGrpSpPr>
+        <p:cNvPr id="1" name=""/>
+        <p:cNvGrpSpPr/>
+        <p:nvPr/>
+      </p:nvGrpSpPr>
+      <p:grpSpPr>
+        <a:xfrm>
+          <a:off x="0" y="0"/>
+          <a:ext cx="0" cy="0"/>
+          <a:chOff x="0" y="0"/>
+          <a:chExt cx="0" cy="0"/>
+        </a:xfrm>
+      </p:grpSpPr>
+      <p:sp>
+        <p:nvSpPr>
+          <p:cNvPr id="9219" name="Content Placeholder 2"/>
+          <p:cNvSpPr>
+            <a:spLocks noGrp="1"/>
+          </p:cNvSpPr>
+          <p:nvPr>
+            <p:ph idx="1"/>
+          </p:nvPr>
+        </p:nvSpPr>
+        <p:spPr>
+          <a:xfrm>
+            <a:off x="1043490" y="1853514"/>
+            <a:ext cx="6777319" cy="3979115"/>
+          </a:xfrm>
+        </p:spPr>
+        <p:txBody>
+          <a:bodyPr>
+            <a:normAutofit fontScale="85000" lnSpcReduction="20000"/>
+          </a:bodyPr>
+          <a:lstStyle/>
+          <a:p>
+            <a:r>
+              <a:rPr lang="en-US" altLang="en-US" dirty="0"/>
+              <a:t>Based on the findings, the most popular and effective type of distribution is with a company that provides the most services for the musician</a:t>
+            </a:r>
+            <a:r>
+              <a:rPr lang="en-US" altLang="en-US" dirty="0" smtClean="0"/>
+              <a:t>.</a:t>
+            </a:r>
+          </a:p>
+          <a:p>
+            <a:pPr marL="68580" indent="0">
+              <a:buNone/>
+            </a:pPr>
+            <a:endParaRPr lang="en-US" altLang="en-US" dirty="0" smtClean="0"/>
+          </a:p>
+          <a:p>
+            <a:r>
+              <a:rPr lang="en-US" altLang="en-US" dirty="0" smtClean="0"/>
+              <a:t>Depending on the goals and experience of the musician, one distribution site may be more suited than another one. </a:t>
+            </a:r>
+          </a:p>
+          <a:p>
+            <a:pPr marL="68580" indent="0">
+              <a:buNone/>
+            </a:pPr>
+            <a:endParaRPr lang="en-US" altLang="en-US" dirty="0"/>
+          </a:p>
+          <a:p>
+            <a:r>
+              <a:rPr lang="en-US" altLang="en-US" dirty="0"/>
+              <a:t>The use of social media, such as Facebook and Twitter is essential in marketing music and video</a:t>
+            </a:r>
+            <a:r>
+              <a:rPr lang="en-US" altLang="en-US" dirty="0" smtClean="0"/>
+              <a:t>.</a:t>
+            </a:r>
+          </a:p>
+          <a:p>
+            <a:pPr marL="68580" indent="0" eaLnBrk="1" hangingPunct="1">
+              <a:buNone/>
+            </a:pPr>
+            <a:endParaRPr lang="en-US" altLang="en-US" dirty="0" smtClean="0"/>
+          </a:p>
+        </p:txBody>
+      </p:sp>
+      <p:sp>
+        <p:nvSpPr>
+          <p:cNvPr id="9218" name="Title 1"/>
+          <p:cNvSpPr>
+            <a:spLocks noGrp="1"/>
+          </p:cNvSpPr>
+          <p:nvPr>
+            <p:ph type="title"/>
+          </p:nvPr>
+        </p:nvSpPr>
+        <p:spPr>
+          <a:xfrm>
+            <a:off x="1043490" y="523090"/>
+            <a:ext cx="7024744" cy="504574"/>
+          </a:xfrm>
+        </p:spPr>
+        <p:txBody>
+          <a:bodyPr>
+            <a:normAutofit fontScale="90000"/>
+          </a:bodyPr>
+          <a:lstStyle/>
+          <a:p>
+            <a:pPr algn="ctr" eaLnBrk="1" hangingPunct="1"/>
+            <a:r>
+              <a:rPr lang="en-US" altLang="en-US" dirty="0" smtClean="0"/>
+              <a:t>  Conclusion</a:t>
+            </a:r>
+            <a:endParaRPr lang="en-US" altLang="en-US" dirty="0" smtClean="0"/>
+          </a:p>
+        </p:txBody>
+      </p:sp>
+    </p:spTree>
+  </p:cSld>
+  <p:clrMapOvr>
+    <a:masterClrMapping/>
+  </p:clrMapOvr>
+  <p:transition advTm="26370">
     <p:cut/>
   </p:transition>
   <p:timing>
@@ -6780,67 +7040,12 @@
       </p:grpSpPr>
       <p:sp>
         <p:nvSpPr>
-          <p:cNvPr id="6147" name="Content Placeholder 2"/>
+          <p:cNvPr id="2" name="Content Placeholder 1"/>
           <p:cNvSpPr>
             <a:spLocks noGrp="1"/>
           </p:cNvSpPr>
           <p:nvPr>
             <p:ph idx="1"/>
-          </p:nvPr>
-        </p:nvSpPr>
-        <p:spPr/>
-        <p:txBody>
-          <a:bodyPr>
-            <a:normAutofit lnSpcReduction="10000"/>
-          </a:bodyPr>
-          <a:lstStyle/>
-          <a:p>
-            <a:pPr eaLnBrk="1" hangingPunct="1"/>
-            <a:r>
-              <a:rPr lang="en-US" altLang="en-US" dirty="0" smtClean="0"/>
-              <a:t>The approach was to perform analytics on Twitter tweets and Facebook comments and statuses.</a:t>
-            </a:r>
-          </a:p>
-          <a:p>
-            <a:pPr eaLnBrk="1" hangingPunct="1"/>
-            <a:endParaRPr lang="en-US" altLang="en-US" dirty="0" smtClean="0"/>
-          </a:p>
-          <a:p>
-            <a:pPr eaLnBrk="1" hangingPunct="1"/>
-            <a:r>
-              <a:rPr lang="en-US" altLang="en-US" dirty="0" smtClean="0"/>
-              <a:t>Texts were collected from Facebook fan pages of 5 known digital music distributors and publishers.</a:t>
-            </a:r>
-          </a:p>
-          <a:p>
-            <a:pPr eaLnBrk="1" hangingPunct="1"/>
-            <a:endParaRPr lang="en-US" altLang="en-US" dirty="0" smtClean="0"/>
-          </a:p>
-          <a:p>
-            <a:pPr eaLnBrk="1" hangingPunct="1"/>
-            <a:r>
-              <a:rPr lang="en-US" altLang="en-US" dirty="0"/>
-              <a:t>T</a:t>
-            </a:r>
-            <a:r>
-              <a:rPr lang="en-US" altLang="en-US" dirty="0" smtClean="0"/>
-              <a:t>weets from Twitter were collected based on general criteria for music publishing and music distribution. </a:t>
-            </a:r>
-          </a:p>
-          <a:p>
-            <a:pPr eaLnBrk="1" hangingPunct="1"/>
-            <a:endParaRPr lang="en-US" altLang="en-US" dirty="0" smtClean="0"/>
-          </a:p>
-        </p:txBody>
-      </p:sp>
-      <p:sp>
-        <p:nvSpPr>
-          <p:cNvPr id="6146" name="Title 1"/>
-          <p:cNvSpPr>
-            <a:spLocks noGrp="1"/>
-          </p:cNvSpPr>
-          <p:nvPr>
-            <p:ph type="title"/>
           </p:nvPr>
         </p:nvSpPr>
         <p:spPr/>
@@ -6848,16 +7053,83 @@
           <a:bodyPr/>
           <a:lstStyle/>
           <a:p>
-            <a:pPr algn="ctr"/>
-            <a:r>
-              <a:rPr lang="en-US" altLang="en-US" dirty="0" smtClean="0"/>
-              <a:t>Approach</a:t>
-            </a:r>
-            <a:endParaRPr lang="en-US" altLang="en-US" dirty="0" smtClean="0"/>
+            <a:r>
+              <a:rPr lang="en-US" dirty="0" smtClean="0"/>
+              <a:t>Where </a:t>
+            </a:r>
+            <a:r>
+              <a:rPr lang="en-US" dirty="0"/>
+              <a:t>do we focus effort in the digital music market</a:t>
+            </a:r>
+            <a:r>
+              <a:rPr lang="en-US" dirty="0" smtClean="0"/>
+              <a:t>? </a:t>
+            </a:r>
+          </a:p>
+          <a:p>
+            <a:endParaRPr lang="en-US" dirty="0"/>
+          </a:p>
+          <a:p>
+            <a:r>
+              <a:rPr lang="en-US" dirty="0" smtClean="0"/>
+              <a:t>What </a:t>
+            </a:r>
+            <a:r>
+              <a:rPr lang="en-US" dirty="0"/>
+              <a:t>should the recording studio be focusing on</a:t>
+            </a:r>
+            <a:r>
+              <a:rPr lang="en-US" dirty="0" smtClean="0"/>
+              <a:t>?</a:t>
+            </a:r>
+          </a:p>
+          <a:p>
+            <a:endParaRPr lang="en-US" dirty="0"/>
+          </a:p>
+          <a:p>
+            <a:r>
+              <a:rPr lang="en-US" dirty="0" smtClean="0"/>
+              <a:t>What </a:t>
+            </a:r>
+            <a:r>
+              <a:rPr lang="en-US" dirty="0"/>
+              <a:t>are the trends for marketing music online?</a:t>
+            </a:r>
+          </a:p>
+          <a:p>
+            <a:endParaRPr lang="en-US" dirty="0"/>
+          </a:p>
+        </p:txBody>
+      </p:sp>
+      <p:sp>
+        <p:nvSpPr>
+          <p:cNvPr id="3" name="Title 2"/>
+          <p:cNvSpPr>
+            <a:spLocks noGrp="1"/>
+          </p:cNvSpPr>
+          <p:nvPr>
+            <p:ph type="title"/>
+          </p:nvPr>
+        </p:nvSpPr>
+        <p:spPr/>
+        <p:txBody>
+          <a:bodyPr/>
+          <a:lstStyle/>
+          <a:p>
+            <a:r>
+              <a:rPr lang="en-US" dirty="0" smtClean="0"/>
+              <a:t>Business Questions</a:t>
+            </a:r>
+            <a:endParaRPr lang="en-US" dirty="0"/>
           </a:p>
         </p:txBody>
       </p:sp>
     </p:spTree>
+    <p:extLst>
+      <p:ext uri="{BB962C8B-B14F-4D97-AF65-F5344CB8AC3E}">
+        <p14:creationId xmlns:p14="http://schemas.microsoft.com/office/powerpoint/2010/main" val="3675224357"/>
+      </p:ext>
+    </p:extLst>
   </p:cSld>
   <p:clrMapOvr>
     <a:masterClrMapping/>
@@ -6894,7 +7166,7 @@
       </p:grpSpPr>
       <p:sp>
         <p:nvSpPr>
-          <p:cNvPr id="7171" name="Content Placeholder 2"/>
+          <p:cNvPr id="6147" name="Content Placeholder 2"/>
           <p:cNvSpPr>
             <a:spLocks noGrp="1"/>
           </p:cNvSpPr>
@@ -6905,104 +7177,299 @@
         <p:spPr/>
         <p:txBody>
           <a:bodyPr>
-            <a:normAutofit/>
+            <a:normAutofit fontScale="85000" lnSpcReduction="10000"/>
           </a:bodyPr>
           <a:lstStyle/>
           <a:p>
-            <a:r>
-              <a:rPr lang="en-US" sz="2600" dirty="0" smtClean="0"/>
+            <a:pPr eaLnBrk="1" hangingPunct="1"/>
+            <a:r>
+              <a:rPr lang="en-US" altLang="en-US" dirty="0" smtClean="0"/>
+              <a:t>The approach was to perform analytics on Twitter tweets and Facebook comments and statuses.</a:t>
+            </a:r>
+          </a:p>
+          <a:p>
+            <a:pPr eaLnBrk="1" hangingPunct="1"/>
+            <a:endParaRPr lang="en-US" altLang="en-US" dirty="0" smtClean="0"/>
+          </a:p>
+          <a:p>
+            <a:pPr eaLnBrk="1" hangingPunct="1"/>
+            <a:r>
+              <a:rPr lang="en-US" altLang="en-US" dirty="0" smtClean="0"/>
+              <a:t>Facebook statuses and comments were collected from fan pages of 5 known digital music distributors and publishers using Python. </a:t>
+            </a:r>
+          </a:p>
+          <a:p>
+            <a:pPr eaLnBrk="1" hangingPunct="1"/>
+            <a:endParaRPr lang="en-US" altLang="en-US" dirty="0"/>
+          </a:p>
+          <a:p>
+            <a:pPr eaLnBrk="1" hangingPunct="1"/>
+            <a:r>
+              <a:rPr lang="en-US" altLang="en-US" dirty="0" smtClean="0"/>
+              <a:t>The separate status extracts were combined into one file and the separate comment extracts were combined into their own file as well.  </a:t>
+            </a:r>
+          </a:p>
+          <a:p>
+            <a:pPr eaLnBrk="1" hangingPunct="1"/>
+            <a:endParaRPr lang="en-US" altLang="en-US" dirty="0" smtClean="0"/>
+          </a:p>
+          <a:p>
+            <a:pPr eaLnBrk="1" hangingPunct="1"/>
+            <a:r>
+              <a:rPr lang="en-US" altLang="en-US" dirty="0"/>
+              <a:t>T</a:t>
+            </a:r>
+            <a:r>
+              <a:rPr lang="en-US" altLang="en-US" dirty="0" smtClean="0"/>
+              <a:t>weets from Twitter were collected based on criteria related to music publishing and music distribution. </a:t>
+            </a:r>
+          </a:p>
+          <a:p>
+            <a:pPr eaLnBrk="1" hangingPunct="1"/>
+            <a:endParaRPr lang="en-US" altLang="en-US" dirty="0" smtClean="0"/>
+          </a:p>
+        </p:txBody>
+      </p:sp>
+      <p:sp>
+        <p:nvSpPr>
+          <p:cNvPr id="6146" name="Title 1"/>
+          <p:cNvSpPr>
+            <a:spLocks noGrp="1"/>
+          </p:cNvSpPr>
+          <p:nvPr>
+            <p:ph type="title"/>
+          </p:nvPr>
+        </p:nvSpPr>
+        <p:spPr/>
+        <p:txBody>
+          <a:bodyPr/>
+          <a:lstStyle/>
+          <a:p>
+            <a:pPr algn="ctr"/>
+            <a:r>
+              <a:rPr lang="en-US" altLang="en-US" dirty="0" smtClean="0"/>
+              <a:t>Approach</a:t>
+            </a:r>
+            <a:endParaRPr lang="en-US" altLang="en-US" dirty="0" smtClean="0"/>
+          </a:p>
+        </p:txBody>
+      </p:sp>
+    </p:spTree>
+  </p:cSld>
+  <p:clrMapOvr>
+    <a:masterClrMapping/>
+  </p:clrMapOvr>
+  <p:transition advTm="28341">
+    <p:cut/>
+  </p:transition>
+  <p:timing>
+    <p:tnLst>
+      <p:par>
+        <p:cTn id="1" dur="indefinite" restart="never" nodeType="tmRoot"/>
+      </p:par>
+    </p:tnLst>
+  </p:timing>
+</p:sld>
+</file>
+
+<file path=ppt/slides/slide5.xml><?xml version="1.0" encoding="utf-8"?>
+<p:sld xmlns:a="http://schemas.openxmlformats.org/drawingml/2006/main" xmlns:r="http://schemas.openxmlformats.org/officeDocument/2006/relationships" xmlns:p="http://schemas.openxmlformats.org/presentationml/2006/main">
+  <p:cSld>
+    <p:spTree>
+      <p:nvGrpSpPr>
+        <p:cNvPr id="1" name=""/>
+        <p:cNvGrpSpPr/>
+        <p:nvPr/>
+      </p:nvGrpSpPr>
+      <p:grpSpPr>
+        <a:xfrm>
+          <a:off x="0" y="0"/>
+          <a:ext cx="0" cy="0"/>
+          <a:chOff x="0" y="0"/>
+          <a:chExt cx="0" cy="0"/>
+        </a:xfrm>
+      </p:grpSpPr>
+      <p:sp>
+        <p:nvSpPr>
+          <p:cNvPr id="2" name="Title 1"/>
+          <p:cNvSpPr>
+            <a:spLocks noGrp="1"/>
+          </p:cNvSpPr>
+          <p:nvPr>
+            <p:ph type="title"/>
+          </p:nvPr>
+        </p:nvSpPr>
+        <p:spPr/>
+        <p:txBody>
+          <a:bodyPr/>
+          <a:lstStyle/>
+          <a:p>
+            <a:pPr algn="ctr"/>
+            <a:r>
+              <a:rPr lang="en-US" dirty="0" smtClean="0"/>
+              <a:t>Digital Sites Researched</a:t>
+            </a:r>
+            <a:endParaRPr lang="en-US" dirty="0"/>
+          </a:p>
+        </p:txBody>
+      </p:sp>
+      <p:sp>
+        <p:nvSpPr>
+          <p:cNvPr id="4" name="Text Placeholder 3"/>
+          <p:cNvSpPr>
+            <a:spLocks noGrp="1"/>
+          </p:cNvSpPr>
+          <p:nvPr>
+            <p:ph type="body" sz="half" idx="3"/>
+          </p:nvPr>
+        </p:nvSpPr>
+        <p:spPr/>
+        <p:txBody>
+          <a:bodyPr/>
+          <a:lstStyle/>
+          <a:p>
+            <a:r>
+              <a:rPr lang="en-US" dirty="0" smtClean="0"/>
+              <a:t>Services</a:t>
+            </a:r>
+            <a:endParaRPr lang="en-US" dirty="0"/>
+          </a:p>
+        </p:txBody>
+      </p:sp>
+      <p:sp>
+        <p:nvSpPr>
+          <p:cNvPr id="5" name="Content Placeholder 4"/>
+          <p:cNvSpPr>
+            <a:spLocks noGrp="1"/>
+          </p:cNvSpPr>
+          <p:nvPr>
+            <p:ph sz="quarter" idx="2"/>
+          </p:nvPr>
+        </p:nvSpPr>
+        <p:spPr/>
+        <p:txBody>
+          <a:bodyPr/>
+          <a:lstStyle/>
+          <a:p>
+            <a:endParaRPr lang="en-US" dirty="0" smtClean="0"/>
+          </a:p>
+          <a:p>
+            <a:endParaRPr lang="en-US" dirty="0"/>
+          </a:p>
+          <a:p>
+            <a:r>
+              <a:rPr lang="en-US" dirty="0" smtClean="0"/>
               <a:t>Reverbnation </a:t>
             </a:r>
-          </a:p>
-          <a:p>
-            <a:pPr marL="68580" indent="0">
+            <a:endParaRPr lang="en-US" dirty="0"/>
+          </a:p>
+          <a:p>
+            <a:r>
+              <a:rPr lang="en-US" dirty="0"/>
+              <a:t>Bandcamp  </a:t>
+            </a:r>
+          </a:p>
+          <a:p>
+            <a:r>
+              <a:rPr lang="en-US" dirty="0"/>
+              <a:t>TuneCore</a:t>
+            </a:r>
+          </a:p>
+          <a:p>
+            <a:r>
+              <a:rPr lang="en-US" dirty="0"/>
+              <a:t>CD Baby</a:t>
+            </a:r>
+          </a:p>
+          <a:p>
+            <a:r>
+              <a:rPr lang="en-US" dirty="0"/>
+              <a:t>SoundCloud </a:t>
+            </a:r>
+          </a:p>
+          <a:p>
+            <a:endParaRPr lang="en-US" dirty="0"/>
+          </a:p>
+        </p:txBody>
+      </p:sp>
+      <p:sp>
+        <p:nvSpPr>
+          <p:cNvPr id="6" name="Content Placeholder 5"/>
+          <p:cNvSpPr>
+            <a:spLocks noGrp="1"/>
+          </p:cNvSpPr>
+          <p:nvPr>
+            <p:ph sz="quarter" idx="4"/>
+          </p:nvPr>
+        </p:nvSpPr>
+        <p:spPr/>
+        <p:txBody>
+          <a:bodyPr>
+            <a:normAutofit fontScale="92500" lnSpcReduction="10000"/>
+          </a:bodyPr>
+          <a:lstStyle/>
+          <a:p>
+            <a:pPr marL="109728" indent="0">
               <a:buNone/>
             </a:pPr>
-            <a:endParaRPr lang="en-US" sz="2600" dirty="0" smtClean="0"/>
-          </a:p>
-          <a:p>
-            <a:r>
-              <a:rPr lang="en-US" sz="2600" dirty="0" smtClean="0"/>
-              <a:t>Bandcamp  </a:t>
-            </a:r>
-          </a:p>
-          <a:p>
-            <a:pPr marL="68580" indent="0">
+            <a:r>
+              <a:rPr lang="en-US" dirty="0"/>
+              <a:t>Each one has variations in services offered, but in general, each has ‘stores’ that the artist(s) can place music or videos for sale and download by the public.</a:t>
+            </a:r>
+          </a:p>
+          <a:p>
+            <a:pPr marL="109728" indent="0">
               <a:buNone/>
             </a:pPr>
-            <a:endParaRPr lang="en-US" sz="2600" dirty="0" smtClean="0"/>
-          </a:p>
-          <a:p>
-            <a:r>
-              <a:rPr lang="en-US" sz="2600" dirty="0" smtClean="0"/>
-              <a:t>TuneCore</a:t>
-            </a:r>
-          </a:p>
-          <a:p>
-            <a:pPr marL="68580" indent="0">
+            <a:endParaRPr lang="en-US" dirty="0" smtClean="0"/>
+          </a:p>
+          <a:p>
+            <a:pPr marL="109728" indent="0">
               <a:buNone/>
             </a:pPr>
-            <a:endParaRPr lang="en-US" sz="2600" dirty="0" smtClean="0"/>
-          </a:p>
-          <a:p>
-            <a:r>
-              <a:rPr lang="en-US" sz="2600" dirty="0" smtClean="0"/>
-              <a:t>CD Baby</a:t>
-            </a:r>
-          </a:p>
-          <a:p>
-            <a:pPr marL="68580" indent="0">
-              <a:buNone/>
-            </a:pPr>
-            <a:endParaRPr lang="en-US" sz="2600" dirty="0" smtClean="0"/>
-          </a:p>
-          <a:p>
-            <a:r>
-              <a:rPr lang="en-US" sz="2600" dirty="0" smtClean="0"/>
-              <a:t>SoundCloud </a:t>
-            </a:r>
-          </a:p>
-          <a:p>
-            <a:pPr marL="68580" indent="0" eaLnBrk="1" hangingPunct="1">
-              <a:buNone/>
-            </a:pPr>
-            <a:endParaRPr lang="en-US" altLang="en-US" dirty="0"/>
-          </a:p>
-          <a:p>
-            <a:pPr marL="68580" indent="0" eaLnBrk="1" hangingPunct="1">
-              <a:buNone/>
-            </a:pPr>
-            <a:endParaRPr lang="en-US" altLang="en-US" dirty="0" smtClean="0"/>
-          </a:p>
-        </p:txBody>
-      </p:sp>
-      <p:sp>
-        <p:nvSpPr>
-          <p:cNvPr id="7170" name="Title 1"/>
-          <p:cNvSpPr>
-            <a:spLocks noGrp="1"/>
-          </p:cNvSpPr>
-          <p:nvPr>
-            <p:ph type="title"/>
+            <a:r>
+              <a:rPr lang="en-US" dirty="0" smtClean="0"/>
+              <a:t>Artists </a:t>
+            </a:r>
+            <a:r>
+              <a:rPr lang="en-US" dirty="0"/>
+              <a:t>sign contracts for the right of these sites to distribute and publish their products.</a:t>
+            </a:r>
+          </a:p>
+          <a:p>
+            <a:endParaRPr lang="en-US" dirty="0"/>
+          </a:p>
+        </p:txBody>
+      </p:sp>
+      <p:sp>
+        <p:nvSpPr>
+          <p:cNvPr id="7" name="Text Placeholder 6"/>
+          <p:cNvSpPr>
+            <a:spLocks noGrp="1"/>
+          </p:cNvSpPr>
+          <p:nvPr>
+            <p:ph type="body" idx="1"/>
           </p:nvPr>
         </p:nvSpPr>
         <p:spPr/>
         <p:txBody>
-          <a:bodyPr>
-            <a:normAutofit/>
-          </a:bodyPr>
+          <a:bodyPr/>
           <a:lstStyle/>
           <a:p>
-            <a:pPr algn="ctr" eaLnBrk="1" hangingPunct="1"/>
-            <a:r>
-              <a:rPr lang="en-US" altLang="en-US" dirty="0" smtClean="0"/>
-              <a:t> Digital Sites Researched</a:t>
-            </a:r>
-            <a:endParaRPr lang="en-US" altLang="en-US" dirty="0" smtClean="0"/>
+            <a:r>
+              <a:rPr lang="en-US" dirty="0" smtClean="0"/>
+              <a:t>Sites</a:t>
+            </a:r>
+            <a:endParaRPr lang="en-US" dirty="0"/>
           </a:p>
         </p:txBody>
       </p:sp>
     </p:spTree>
+    <p:extLst>
+      <p:ext uri="{BB962C8B-B14F-4D97-AF65-F5344CB8AC3E}">
+        <p14:creationId xmlns:p14="http://schemas.microsoft.com/office/powerpoint/2010/main" val="367213150"/>
+      </p:ext>
+    </p:extLst>
   </p:cSld>
   <p:clrMapOvr>
     <a:masterClrMapping/>
@@ -7020,7 +7487,7 @@
 </p:sld>
 </file>
 
-<file path=ppt/slides/slide5.xml><?xml version="1.0" encoding="utf-8"?>
+<file path=ppt/slides/slide6.xml><?xml version="1.0" encoding="utf-8"?>
 <p:sld xmlns:a="http://schemas.openxmlformats.org/drawingml/2006/main" xmlns:r="http://schemas.openxmlformats.org/officeDocument/2006/relationships" xmlns:p="http://schemas.openxmlformats.org/presentationml/2006/main">
   <p:cSld>
     <p:spTree>
@@ -7133,150 +7600,16 @@
   <p:clrMapOvr>
     <a:masterClrMapping/>
   </p:clrMapOvr>
-  <p:transition>
+  <p:transition advTm="18315">
     <p:cut/>
   </p:transition>
-</p:sld>
-</file>
-
-<file path=ppt/slides/slide6.xml><?xml version="1.0" encoding="utf-8"?>
-<p:sld xmlns:a="http://schemas.openxmlformats.org/drawingml/2006/main" xmlns:r="http://schemas.openxmlformats.org/officeDocument/2006/relationships" xmlns:p="http://schemas.openxmlformats.org/presentationml/2006/main">
-  <p:cSld>
-    <p:spTree>
-      <p:nvGrpSpPr>
-        <p:cNvPr id="1" name=""/>
-        <p:cNvGrpSpPr/>
-        <p:nvPr/>
-      </p:nvGrpSpPr>
-      <p:grpSpPr>
-        <a:xfrm>
-          <a:off x="0" y="0"/>
-          <a:ext cx="0" cy="0"/>
-          <a:chOff x="0" y="0"/>
-          <a:chExt cx="0" cy="0"/>
-        </a:xfrm>
-      </p:grpSpPr>
-      <p:sp>
-        <p:nvSpPr>
-          <p:cNvPr id="3" name="Content Placeholder 2"/>
-          <p:cNvSpPr>
-            <a:spLocks noGrp="1"/>
-          </p:cNvSpPr>
-          <p:nvPr>
-            <p:ph idx="1"/>
-          </p:nvPr>
-        </p:nvSpPr>
-        <p:spPr/>
-        <p:txBody>
-          <a:bodyPr>
-            <a:normAutofit/>
-          </a:bodyPr>
-          <a:lstStyle/>
-          <a:p>
-            <a:r>
-              <a:rPr lang="en-US" dirty="0" smtClean="0"/>
-              <a:t>Used 13 for the number of topics. </a:t>
-            </a:r>
-          </a:p>
-          <a:p>
-            <a:endParaRPr lang="en-US" dirty="0"/>
-          </a:p>
-          <a:p>
-            <a:r>
-              <a:rPr lang="en-US" dirty="0" smtClean="0"/>
-              <a:t>Used </a:t>
-            </a:r>
-            <a:r>
-              <a:rPr lang="en-US" dirty="0" err="1" smtClean="0"/>
-              <a:t>pyLDAvis</a:t>
-            </a:r>
-            <a:r>
-              <a:rPr lang="en-US" dirty="0" smtClean="0"/>
-              <a:t> to </a:t>
-            </a:r>
-            <a:r>
-              <a:rPr lang="en-US" dirty="0"/>
-              <a:t>generate </a:t>
-            </a:r>
-            <a:r>
-              <a:rPr lang="en-US" dirty="0" smtClean="0"/>
-              <a:t>a </a:t>
-            </a:r>
-            <a:r>
-              <a:rPr lang="en-US" dirty="0" err="1" smtClean="0"/>
-              <a:t>Intertopic</a:t>
-            </a:r>
-            <a:r>
-              <a:rPr lang="en-US" dirty="0" smtClean="0"/>
-              <a:t> </a:t>
-            </a:r>
-            <a:r>
-              <a:rPr lang="en-US" dirty="0"/>
-              <a:t>Distance </a:t>
-            </a:r>
-            <a:r>
-              <a:rPr lang="en-US" dirty="0" smtClean="0"/>
-              <a:t>Map.</a:t>
-            </a:r>
-          </a:p>
-          <a:p>
-            <a:endParaRPr lang="en-US" dirty="0" smtClean="0"/>
-          </a:p>
-          <a:p>
-            <a:r>
-              <a:rPr lang="en-US" dirty="0"/>
-              <a:t>Top topics appear to be related to playlists, sharing video albums, downloads, free downloads, touring and music </a:t>
-            </a:r>
-            <a:r>
-              <a:rPr lang="en-US" dirty="0" smtClean="0"/>
-              <a:t>festivals.  </a:t>
-            </a:r>
-            <a:endParaRPr lang="en-US" dirty="0"/>
-          </a:p>
-          <a:p>
-            <a:endParaRPr lang="en-US" dirty="0" smtClean="0"/>
-          </a:p>
-        </p:txBody>
-      </p:sp>
-      <p:sp>
-        <p:nvSpPr>
-          <p:cNvPr id="2" name="Title 1"/>
-          <p:cNvSpPr>
-            <a:spLocks noGrp="1"/>
-          </p:cNvSpPr>
-          <p:nvPr>
-            <p:ph type="title"/>
-          </p:nvPr>
-        </p:nvSpPr>
-        <p:spPr/>
-        <p:txBody>
-          <a:bodyPr>
-            <a:normAutofit/>
-          </a:bodyPr>
-          <a:lstStyle/>
-          <a:p>
-            <a:pPr algn="ctr"/>
-            <a:r>
-              <a:rPr lang="en-US" sz="3200" dirty="0" smtClean="0"/>
-              <a:t>Methods/Results – Topic Modeling Statuses</a:t>
-            </a:r>
-            <a:endParaRPr lang="en-US" sz="3200" dirty="0"/>
-          </a:p>
-        </p:txBody>
-      </p:sp>
-    </p:spTree>
-    <p:extLst>
-      <p:ext uri="{BB962C8B-B14F-4D97-AF65-F5344CB8AC3E}">
-        <p14:creationId xmlns:p14="http://schemas.microsoft.com/office/powerpoint/2010/main" val="1005063539"/>
-      </p:ext>
-    </p:extLst>
-  </p:cSld>
-  <p:clrMapOvr>
-    <a:masterClrMapping/>
-  </p:clrMapOvr>
-  <p:transition>
-    <p:cut/>
-  </p:transition>
+  <p:timing>
+    <p:tnLst>
+      <p:par>
+        <p:cTn id="1" dur="indefinite" restart="never" nodeType="tmRoot"/>
+      </p:par>
+    </p:tnLst>
+  </p:timing>
 </p:sld>
 </file>
 
@@ -7307,104 +7640,76 @@
             <p:ph idx="1"/>
           </p:nvPr>
         </p:nvSpPr>
-        <p:spPr>
-          <a:xfrm>
-            <a:off x="1043492" y="1027664"/>
-            <a:ext cx="6777317" cy="5101287"/>
-          </a:xfrm>
-        </p:spPr>
+        <p:spPr/>
         <p:txBody>
           <a:bodyPr>
-            <a:normAutofit fontScale="92500" lnSpcReduction="10000"/>
+            <a:normAutofit/>
           </a:bodyPr>
           <a:lstStyle/>
           <a:p>
             <a:r>
+              <a:rPr lang="en-US" dirty="0" smtClean="0"/>
+              <a:t>Used 13 for the number of topics. </a:t>
+            </a:r>
+          </a:p>
+          <a:p>
+            <a:endParaRPr lang="en-US" dirty="0"/>
+          </a:p>
+          <a:p>
+            <a:r>
+              <a:rPr lang="en-US" dirty="0" smtClean="0"/>
+              <a:t>Used </a:t>
+            </a:r>
+            <a:r>
+              <a:rPr lang="en-US" dirty="0" err="1" smtClean="0"/>
+              <a:t>pyLDAvis</a:t>
+            </a:r>
+            <a:r>
+              <a:rPr lang="en-US" dirty="0" smtClean="0"/>
+              <a:t> to </a:t>
+            </a:r>
+            <a:r>
               <a:rPr lang="en-US" dirty="0"/>
-              <a:t>Also did Fan Metrics for the two older sites CD Baby and TuneCore</a:t>
+              <a:t>generate </a:t>
             </a:r>
             <a:r>
               <a:rPr lang="en-US" dirty="0" smtClean="0"/>
-              <a:t>.</a:t>
-            </a:r>
-          </a:p>
-          <a:p>
+              <a:t>a </a:t>
+            </a:r>
+            <a:r>
+              <a:rPr lang="en-US" dirty="0" err="1" smtClean="0"/>
+              <a:t>Intertopic</a:t>
+            </a:r>
+            <a:r>
+              <a:rPr lang="en-US" dirty="0" smtClean="0"/>
+              <a:t> </a:t>
+            </a:r>
+            <a:r>
+              <a:rPr lang="en-US" dirty="0"/>
+              <a:t>Distance </a:t>
+            </a:r>
+            <a:r>
+              <a:rPr lang="en-US" dirty="0" smtClean="0"/>
+              <a:t>Map.</a:t>
+            </a:r>
+          </a:p>
+          <a:p>
+            <a:endParaRPr lang="en-US" dirty="0" smtClean="0"/>
+          </a:p>
+          <a:p>
+            <a:r>
+              <a:rPr lang="en-US" dirty="0"/>
+              <a:t>Top topics appear to be related to playlists, sharing video albums, downloads, free downloads, touring and music </a:t>
+            </a:r>
+            <a:r>
+              <a:rPr lang="en-US" dirty="0" smtClean="0"/>
+              <a:t>festivals.  </a:t>
+            </a:r>
             <a:endParaRPr lang="en-US" dirty="0"/>
           </a:p>
           <a:p>
-            <a:r>
-              <a:rPr lang="en-US" dirty="0"/>
-              <a:t>Total Fans = 234332  for TuneCore</a:t>
-            </a:r>
-          </a:p>
-          <a:p>
-            <a:r>
-              <a:rPr lang="en-US" dirty="0"/>
-              <a:t>Total Fans = 161820  for CD </a:t>
-            </a:r>
-            <a:r>
-              <a:rPr lang="en-US" dirty="0" smtClean="0"/>
-              <a:t>Baby</a:t>
-            </a:r>
-          </a:p>
-          <a:p>
-            <a:endParaRPr lang="en-US" dirty="0"/>
-          </a:p>
-          <a:p>
-            <a:r>
-              <a:rPr lang="en-US" dirty="0"/>
-              <a:t>Even though TuneCore has more </a:t>
-            </a:r>
-            <a:r>
-              <a:rPr lang="en-US" dirty="0" smtClean="0"/>
-              <a:t>fans, comparison </a:t>
-            </a:r>
-            <a:r>
-              <a:rPr lang="en-US" dirty="0"/>
-              <a:t>shows that </a:t>
-            </a:r>
-            <a:r>
-              <a:rPr lang="en-US" dirty="0" smtClean="0"/>
-              <a:t>CD Baby </a:t>
-            </a:r>
-            <a:r>
-              <a:rPr lang="en-US" dirty="0"/>
-              <a:t>is </a:t>
-            </a:r>
-            <a:r>
-              <a:rPr lang="en-US" dirty="0" smtClean="0"/>
-              <a:t> actually more </a:t>
-            </a:r>
-            <a:r>
-              <a:rPr lang="en-US" dirty="0"/>
-              <a:t>popular than </a:t>
-            </a:r>
-            <a:r>
-              <a:rPr lang="en-US" dirty="0" smtClean="0"/>
-              <a:t>TuneCore. </a:t>
-            </a:r>
-          </a:p>
-          <a:p>
             <a:endParaRPr lang="en-US" dirty="0" smtClean="0"/>
           </a:p>
-          <a:p>
-            <a:r>
-              <a:rPr lang="en-US" dirty="0" smtClean="0"/>
-              <a:t>In </a:t>
-            </a:r>
-            <a:r>
-              <a:rPr lang="en-US" dirty="0"/>
-              <a:t>terms of commitment, an artist is not necessarily committed and </a:t>
-            </a:r>
-            <a:r>
-              <a:rPr lang="en-US" dirty="0" smtClean="0"/>
-              <a:t>may with </a:t>
-            </a:r>
-            <a:r>
-              <a:rPr lang="en-US" dirty="0"/>
-              <a:t>a different distributor.</a:t>
-            </a:r>
-          </a:p>
         </p:txBody>
       </p:sp>
       <p:sp>
@@ -7417,41 +7722,33 @@
             <p:ph type="title"/>
           </p:nvPr>
         </p:nvSpPr>
-        <p:spPr>
-          <a:xfrm>
-            <a:off x="1043492" y="325382"/>
-            <a:ext cx="7024744" cy="702282"/>
-          </a:xfrm>
-        </p:spPr>
+        <p:spPr/>
         <p:txBody>
           <a:bodyPr>
-            <a:normAutofit fontScale="90000"/>
+            <a:normAutofit/>
           </a:bodyPr>
           <a:lstStyle/>
           <a:p>
-            <a:r>
-              <a:rPr lang="en-US" sz="3600" dirty="0" smtClean="0"/>
-              <a:t>Methods/Results</a:t>
-            </a:r>
-            <a:r>
-              <a:rPr lang="en-US" dirty="0" smtClean="0"/>
-              <a:t> Fan Metrics</a:t>
-            </a:r>
-            <a:endParaRPr lang="en-US" dirty="0"/>
+            <a:pPr algn="ctr"/>
+            <a:r>
+              <a:rPr lang="en-US" sz="3200" dirty="0" smtClean="0"/>
+              <a:t>Methods/Results – Topic Modeling Statuses</a:t>
+            </a:r>
+            <a:endParaRPr lang="en-US" sz="3200" dirty="0"/>
           </a:p>
         </p:txBody>
       </p:sp>
     </p:spTree>
     <p:extLst>
       <p:ext uri="{BB962C8B-B14F-4D97-AF65-F5344CB8AC3E}">
-        <p14:creationId xmlns:p14="http://schemas.microsoft.com/office/powerpoint/2010/main" val="1494607463"/>
+        <p14:creationId xmlns:p14="http://schemas.microsoft.com/office/powerpoint/2010/main" val="1005063539"/>
       </p:ext>
     </p:extLst>
   </p:cSld>
   <p:clrMapOvr>
     <a:masterClrMapping/>
   </p:clrMapOvr>
-  <p:transition>
+  <p:transition advTm="30562">
     <p:cut/>
   </p:transition>
   <p:timing>
@@ -7493,22 +7790,97 @@
         </p:nvSpPr>
         <p:spPr>
           <a:xfrm>
-            <a:off x="841046" y="1027664"/>
-            <a:ext cx="6979764" cy="4804965"/>
+            <a:off x="1043492" y="1027664"/>
+            <a:ext cx="6777317" cy="5101287"/>
           </a:xfrm>
         </p:spPr>
         <p:txBody>
-          <a:bodyPr/>
+          <a:bodyPr>
+            <a:normAutofit fontScale="92500"/>
+          </a:bodyPr>
           <a:lstStyle/>
           <a:p>
+            <a:r>
+              <a:rPr lang="en-US" dirty="0" smtClean="0"/>
+              <a:t>Analyzed Fan </a:t>
+            </a:r>
+            <a:r>
+              <a:rPr lang="en-US" dirty="0"/>
+              <a:t>Metrics for the two older sites CD Baby and TuneCore.</a:t>
+            </a:r>
+          </a:p>
+          <a:p>
+            <a:endParaRPr lang="en-US" dirty="0"/>
+          </a:p>
+          <a:p>
+            <a:r>
+              <a:rPr lang="en-US" dirty="0"/>
+              <a:t>Total Fans = 234332  for TuneCore</a:t>
+            </a:r>
+          </a:p>
+          <a:p>
+            <a:r>
+              <a:rPr lang="en-US" dirty="0"/>
+              <a:t>Total Fans = 161820  for CD </a:t>
+            </a:r>
+            <a:r>
+              <a:rPr lang="en-US" dirty="0" smtClean="0"/>
+              <a:t>Baby</a:t>
+            </a:r>
+          </a:p>
+          <a:p>
+            <a:endParaRPr lang="en-US" dirty="0"/>
+          </a:p>
+          <a:p>
+            <a:r>
+              <a:rPr lang="en-US" dirty="0"/>
+              <a:t>Even though TuneCore has more </a:t>
+            </a:r>
+            <a:r>
+              <a:rPr lang="en-US" dirty="0" smtClean="0"/>
+              <a:t>fans, comparison </a:t>
+            </a:r>
+            <a:r>
+              <a:rPr lang="en-US" dirty="0"/>
+              <a:t>shows that </a:t>
+            </a:r>
+            <a:r>
+              <a:rPr lang="en-US" dirty="0" smtClean="0"/>
+              <a:t>CD Baby </a:t>
+            </a:r>
+            <a:r>
+              <a:rPr lang="en-US" dirty="0"/>
+              <a:t>is </a:t>
+            </a:r>
+            <a:r>
+              <a:rPr lang="en-US" dirty="0" smtClean="0"/>
+              <a:t> actually more </a:t>
+            </a:r>
+            <a:r>
+              <a:rPr lang="en-US" dirty="0"/>
+              <a:t>popular than </a:t>
+            </a:r>
+            <a:r>
+              <a:rPr lang="en-US" dirty="0" smtClean="0"/>
+              <a:t>TuneCore. </a:t>
+            </a:r>
+          </a:p>
+          <a:p>
+            <a:pPr marL="109728" indent="0">
+              <a:buNone/>
+            </a:pPr>
             <a:endParaRPr lang="en-US" dirty="0" smtClean="0"/>
           </a:p>
           <a:p>
             <a:r>
               <a:rPr lang="en-US" dirty="0" smtClean="0"/>
-              <a:t>Conducted word frequency analysis to  determine how many times any of the distro sites were referenced.</a:t>
-            </a:r>
-            <a:endParaRPr lang="en-US" dirty="0"/>
+              <a:t>Commitment </a:t>
+            </a:r>
+            <a:r>
+              <a:rPr lang="en-US" dirty="0"/>
+              <a:t>is low for both, indicating an artist is likely to switch distributors.</a:t>
+            </a:r>
+            <a:endParaRPr lang="en-US" dirty="0" smtClean="0"/>
           </a:p>
         </p:txBody>
       </p:sp>
@@ -7524,66 +7896,39 @@
         </p:nvSpPr>
         <p:spPr>
           <a:xfrm>
-            <a:off x="841045" y="325382"/>
-            <a:ext cx="7302115" cy="702282"/>
+            <a:off x="1043492" y="325382"/>
+            <a:ext cx="7024744" cy="702282"/>
           </a:xfrm>
         </p:spPr>
         <p:txBody>
           <a:bodyPr>
-            <a:normAutofit/>
+            <a:normAutofit fontScale="90000"/>
           </a:bodyPr>
           <a:lstStyle/>
           <a:p>
-            <a:pPr algn="ctr"/>
-            <a:r>
-              <a:rPr lang="en-US" sz="3200" dirty="0" smtClean="0"/>
-              <a:t>Methods and Results</a:t>
-            </a:r>
-            <a:endParaRPr lang="en-US" sz="3200" dirty="0"/>
-          </a:p>
-        </p:txBody>
-      </p:sp>
-      <p:pic>
-        <p:nvPicPr>
-          <p:cNvPr id="4" name="Picture 3"/>
-          <p:cNvPicPr>
-            <a:picLocks noChangeAspect="1"/>
-          </p:cNvPicPr>
-          <p:nvPr/>
-        </p:nvPicPr>
-        <p:blipFill>
-          <a:blip r:embed="rId2">
-            <a:extLst>
-              <a:ext uri="{28A0092B-C50C-407E-A947-70E740481C1C}">
-                <a14:useLocalDpi xmlns:a14="http://schemas.microsoft.com/office/drawing/2010/main" val="0"/>
-              </a:ext>
-            </a:extLst>
-          </a:blip>
-          <a:stretch>
-            <a:fillRect/>
-          </a:stretch>
-        </p:blipFill>
-        <p:spPr>
-          <a:xfrm>
-            <a:off x="36429" y="2891481"/>
-            <a:ext cx="8292025" cy="3756453"/>
-          </a:xfrm>
-          <a:prstGeom prst="rect">
-            <a:avLst/>
-          </a:prstGeom>
-        </p:spPr>
-      </p:pic>
+            <a:r>
+              <a:rPr lang="en-US" sz="3600" dirty="0" smtClean="0"/>
+              <a:t>Methods/Results</a:t>
+            </a:r>
+            <a:r>
+              <a:rPr lang="en-US" dirty="0" smtClean="0"/>
+              <a:t> Fan Metrics</a:t>
+            </a:r>
+            <a:endParaRPr lang="en-US" dirty="0"/>
+          </a:p>
+        </p:txBody>
+      </p:sp>
     </p:spTree>
     <p:extLst>
       <p:ext uri="{BB962C8B-B14F-4D97-AF65-F5344CB8AC3E}">
-        <p14:creationId xmlns:p14="http://schemas.microsoft.com/office/powerpoint/2010/main" val="2639013839"/>
+        <p14:creationId xmlns:p14="http://schemas.microsoft.com/office/powerpoint/2010/main" val="1494607463"/>
       </p:ext>
     </p:extLst>
   </p:cSld>
   <p:clrMapOvr>
     <a:masterClrMapping/>
   </p:clrMapOvr>
-  <p:transition>
+  <p:transition advTm="73461">
     <p:cut/>
   </p:transition>
   <p:timing>
@@ -7613,49 +7958,20 @@
           <a:chExt cx="0" cy="0"/>
         </a:xfrm>
       </p:grpSpPr>
-      <p:pic>
-        <p:nvPicPr>
-          <p:cNvPr id="4" name="Content Placeholder 3"/>
-          <p:cNvPicPr>
-            <a:picLocks noGrp="1" noChangeAspect="1"/>
-          </p:cNvPicPr>
-          <p:nvPr>
-            <p:ph idx="1"/>
-          </p:nvPr>
-        </p:nvPicPr>
-        <p:blipFill>
-          <a:blip r:embed="rId2">
-            <a:extLst>
-              <a:ext uri="{28A0092B-C50C-407E-A947-70E740481C1C}">
-                <a14:useLocalDpi xmlns:a14="http://schemas.microsoft.com/office/drawing/2010/main" val="0"/>
-              </a:ext>
-            </a:extLst>
-          </a:blip>
-          <a:stretch>
-            <a:fillRect/>
-          </a:stretch>
-        </p:blipFill>
+      <p:sp>
+        <p:nvSpPr>
+          <p:cNvPr id="2" name="Title 1"/>
+          <p:cNvSpPr>
+            <a:spLocks noGrp="1"/>
+          </p:cNvSpPr>
+          <p:nvPr>
+            <p:ph type="title"/>
+          </p:nvPr>
+        </p:nvSpPr>
         <p:spPr>
           <a:xfrm>
-            <a:off x="629106" y="1027664"/>
-            <a:ext cx="7995910" cy="4979436"/>
-          </a:xfrm>
-        </p:spPr>
-      </p:pic>
-      <p:sp>
-        <p:nvSpPr>
-          <p:cNvPr id="2" name="Title 1"/>
-          <p:cNvSpPr>
-            <a:spLocks noGrp="1"/>
-          </p:cNvSpPr>
-          <p:nvPr>
-            <p:ph type="title"/>
-          </p:nvPr>
-        </p:nvSpPr>
-        <p:spPr>
-          <a:xfrm>
-            <a:off x="1754658" y="473663"/>
-            <a:ext cx="6511283" cy="554001"/>
+            <a:off x="457200" y="273050"/>
+            <a:ext cx="8229600" cy="616635"/>
           </a:xfrm>
         </p:spPr>
         <p:txBody>
@@ -7664,18 +7980,673 @@
           </a:bodyPr>
           <a:lstStyle/>
           <a:p>
+            <a:pPr algn="ctr"/>
+            <a:r>
+              <a:rPr lang="en-US" sz="2400" dirty="0" smtClean="0"/>
+              <a:t>Comparison</a:t>
+            </a:r>
             <a:r>
               <a:rPr lang="en-US" sz="3200" dirty="0" smtClean="0"/>
-              <a:t>Methods and Results- bigrams</a:t>
-            </a:r>
-            <a:endParaRPr lang="en-US" sz="3200" dirty="0"/>
+              <a:t> </a:t>
+            </a:r>
+            <a:r>
+              <a:rPr lang="en-US" sz="2400" dirty="0" smtClean="0"/>
+              <a:t>of Fan Metrics</a:t>
+            </a:r>
+            <a:br>
+              <a:rPr lang="en-US" sz="2400" dirty="0" smtClean="0"/>
+            </a:br>
+            <a:endParaRPr lang="en-US" sz="2400" dirty="0"/>
+          </a:p>
+        </p:txBody>
+      </p:sp>
+      <p:sp>
+        <p:nvSpPr>
+          <p:cNvPr id="3" name="Text Placeholder 2"/>
+          <p:cNvSpPr>
+            <a:spLocks noGrp="1"/>
+          </p:cNvSpPr>
+          <p:nvPr>
+            <p:ph type="body" idx="1"/>
+          </p:nvPr>
+        </p:nvSpPr>
+        <p:spPr/>
+        <p:txBody>
+          <a:bodyPr/>
+          <a:lstStyle/>
+          <a:p>
+            <a:pPr algn="ctr"/>
+            <a:r>
+              <a:rPr lang="en-US" dirty="0" smtClean="0"/>
+              <a:t>TuneCore</a:t>
+            </a:r>
+            <a:endParaRPr lang="en-US" dirty="0"/>
+          </a:p>
+        </p:txBody>
+      </p:sp>
+      <p:sp>
+        <p:nvSpPr>
+          <p:cNvPr id="4" name="Text Placeholder 3"/>
+          <p:cNvSpPr>
+            <a:spLocks noGrp="1"/>
+          </p:cNvSpPr>
+          <p:nvPr>
+            <p:ph type="body" sz="half" idx="3"/>
+          </p:nvPr>
+        </p:nvSpPr>
+        <p:spPr/>
+        <p:txBody>
+          <a:bodyPr/>
+          <a:lstStyle/>
+          <a:p>
+            <a:pPr algn="ctr"/>
+            <a:r>
+              <a:rPr lang="en-US" dirty="0" smtClean="0"/>
+              <a:t>CD Baby</a:t>
+            </a:r>
+            <a:endParaRPr lang="en-US" dirty="0"/>
+          </a:p>
+        </p:txBody>
+      </p:sp>
+      <p:sp>
+        <p:nvSpPr>
+          <p:cNvPr id="5" name="Content Placeholder 4"/>
+          <p:cNvSpPr>
+            <a:spLocks noGrp="1"/>
+          </p:cNvSpPr>
+          <p:nvPr>
+            <p:ph sz="quarter" idx="2"/>
+          </p:nvPr>
+        </p:nvSpPr>
+        <p:spPr>
+          <a:xfrm>
+            <a:off x="457200" y="889686"/>
+            <a:ext cx="4040188" cy="4520514"/>
+          </a:xfrm>
+        </p:spPr>
+        <p:txBody>
+          <a:bodyPr>
+            <a:noAutofit/>
+          </a:bodyPr>
+          <a:lstStyle/>
+          <a:p>
+            <a:pPr marL="109728" indent="0">
+              <a:buNone/>
+            </a:pPr>
+            <a:r>
+              <a:rPr lang="en-US" sz="1500" dirty="0">
+                <a:latin typeface="Calibri" panose="020F0502020204030204" pitchFamily="34" charset="0"/>
+                <a:cs typeface="Calibri" panose="020F0502020204030204" pitchFamily="34" charset="0"/>
+              </a:rPr>
+              <a:t>Total Fans = 234332 </a:t>
+            </a:r>
+            <a:endParaRPr lang="en-US" sz="1500" dirty="0" smtClean="0">
+              <a:latin typeface="Calibri" panose="020F0502020204030204" pitchFamily="34" charset="0"/>
+              <a:cs typeface="Calibri" panose="020F0502020204030204" pitchFamily="34" charset="0"/>
+            </a:endParaRPr>
+          </a:p>
+          <a:p>
+            <a:pPr marL="109728" indent="0">
+              <a:buNone/>
+            </a:pPr>
+            <a:r>
+              <a:rPr lang="en-US" sz="1500" dirty="0" smtClean="0">
+                <a:latin typeface="Calibri" panose="020F0502020204030204" pitchFamily="34" charset="0"/>
+                <a:cs typeface="Calibri" panose="020F0502020204030204" pitchFamily="34" charset="0"/>
+              </a:rPr>
+              <a:t>Popularity </a:t>
+            </a:r>
+          </a:p>
+          <a:p>
+            <a:pPr marL="109728" indent="0">
+              <a:buNone/>
+            </a:pPr>
+            <a:r>
+              <a:rPr lang="en-US" sz="1500" dirty="0" smtClean="0">
+                <a:latin typeface="Calibri" panose="020F0502020204030204" pitchFamily="34" charset="0"/>
+                <a:cs typeface="Calibri" panose="020F0502020204030204" pitchFamily="34" charset="0"/>
+              </a:rPr>
+              <a:t>P1 </a:t>
+            </a:r>
+            <a:r>
+              <a:rPr lang="en-US" sz="1500" dirty="0">
+                <a:latin typeface="Calibri" panose="020F0502020204030204" pitchFamily="34" charset="0"/>
+                <a:cs typeface="Calibri" panose="020F0502020204030204" pitchFamily="34" charset="0"/>
+              </a:rPr>
+              <a:t>= Number of posts with likes / total posts = 0.93 </a:t>
+            </a:r>
+            <a:endParaRPr lang="en-US" sz="1500" dirty="0" smtClean="0">
+              <a:latin typeface="Calibri" panose="020F0502020204030204" pitchFamily="34" charset="0"/>
+              <a:cs typeface="Calibri" panose="020F0502020204030204" pitchFamily="34" charset="0"/>
+            </a:endParaRPr>
+          </a:p>
+          <a:p>
+            <a:pPr marL="109728" indent="0">
+              <a:buNone/>
+            </a:pPr>
+            <a:r>
+              <a:rPr lang="en-US" sz="1500" dirty="0" smtClean="0">
+                <a:latin typeface="Calibri" panose="020F0502020204030204" pitchFamily="34" charset="0"/>
+                <a:cs typeface="Calibri" panose="020F0502020204030204" pitchFamily="34" charset="0"/>
+              </a:rPr>
+              <a:t>P2 </a:t>
+            </a:r>
+            <a:r>
+              <a:rPr lang="en-US" sz="1500" dirty="0">
+                <a:latin typeface="Calibri" panose="020F0502020204030204" pitchFamily="34" charset="0"/>
+                <a:cs typeface="Calibri" panose="020F0502020204030204" pitchFamily="34" charset="0"/>
+              </a:rPr>
+              <a:t>= Total likes / total number of posts = 28.63 </a:t>
+            </a:r>
+            <a:endParaRPr lang="en-US" sz="1500" dirty="0" smtClean="0">
+              <a:latin typeface="Calibri" panose="020F0502020204030204" pitchFamily="34" charset="0"/>
+              <a:cs typeface="Calibri" panose="020F0502020204030204" pitchFamily="34" charset="0"/>
+            </a:endParaRPr>
+          </a:p>
+          <a:p>
+            <a:pPr marL="109728" indent="0">
+              <a:buNone/>
+            </a:pPr>
+            <a:r>
+              <a:rPr lang="en-US" sz="1500" dirty="0" smtClean="0">
+                <a:latin typeface="Calibri" panose="020F0502020204030204" pitchFamily="34" charset="0"/>
+                <a:cs typeface="Calibri" panose="020F0502020204030204" pitchFamily="34" charset="0"/>
+              </a:rPr>
+              <a:t>P3 </a:t>
+            </a:r>
+            <a:r>
+              <a:rPr lang="en-US" sz="1500" dirty="0">
+                <a:latin typeface="Calibri" panose="020F0502020204030204" pitchFamily="34" charset="0"/>
+                <a:cs typeface="Calibri" panose="020F0502020204030204" pitchFamily="34" charset="0"/>
+              </a:rPr>
+              <a:t>= (P2/number of fans) * 1000 = 0.12 </a:t>
+            </a:r>
+            <a:endParaRPr lang="en-US" sz="1500" dirty="0" smtClean="0">
+              <a:latin typeface="Calibri" panose="020F0502020204030204" pitchFamily="34" charset="0"/>
+              <a:cs typeface="Calibri" panose="020F0502020204030204" pitchFamily="34" charset="0"/>
+            </a:endParaRPr>
+          </a:p>
+          <a:p>
+            <a:pPr marL="109728" indent="0">
+              <a:buNone/>
+            </a:pPr>
+            <a:r>
+              <a:rPr lang="en-US" sz="1500" dirty="0" smtClean="0">
+                <a:latin typeface="Calibri" panose="020F0502020204030204" pitchFamily="34" charset="0"/>
+                <a:cs typeface="Calibri" panose="020F0502020204030204" pitchFamily="34" charset="0"/>
+              </a:rPr>
+              <a:t>Commitment </a:t>
+            </a:r>
+          </a:p>
+          <a:p>
+            <a:pPr marL="109728" indent="0">
+              <a:buNone/>
+            </a:pPr>
+            <a:r>
+              <a:rPr lang="en-US" sz="1500" dirty="0" smtClean="0">
+                <a:latin typeface="Calibri" panose="020F0502020204030204" pitchFamily="34" charset="0"/>
+                <a:cs typeface="Calibri" panose="020F0502020204030204" pitchFamily="34" charset="0"/>
+              </a:rPr>
+              <a:t>C1 </a:t>
+            </a:r>
+            <a:r>
+              <a:rPr lang="en-US" sz="1500" dirty="0">
+                <a:latin typeface="Calibri" panose="020F0502020204030204" pitchFamily="34" charset="0"/>
+                <a:cs typeface="Calibri" panose="020F0502020204030204" pitchFamily="34" charset="0"/>
+              </a:rPr>
+              <a:t>= Number of posts with comments / total posts = 0.58 </a:t>
+            </a:r>
+            <a:endParaRPr lang="en-US" sz="1500" dirty="0" smtClean="0">
+              <a:latin typeface="Calibri" panose="020F0502020204030204" pitchFamily="34" charset="0"/>
+              <a:cs typeface="Calibri" panose="020F0502020204030204" pitchFamily="34" charset="0"/>
+            </a:endParaRPr>
+          </a:p>
+          <a:p>
+            <a:pPr marL="109728" indent="0">
+              <a:buNone/>
+            </a:pPr>
+            <a:r>
+              <a:rPr lang="en-US" sz="1500" dirty="0" smtClean="0">
+                <a:latin typeface="Calibri" panose="020F0502020204030204" pitchFamily="34" charset="0"/>
+                <a:cs typeface="Calibri" panose="020F0502020204030204" pitchFamily="34" charset="0"/>
+              </a:rPr>
+              <a:t>C2 </a:t>
+            </a:r>
+            <a:r>
+              <a:rPr lang="en-US" sz="1500" dirty="0">
+                <a:latin typeface="Calibri" panose="020F0502020204030204" pitchFamily="34" charset="0"/>
+                <a:cs typeface="Calibri" panose="020F0502020204030204" pitchFamily="34" charset="0"/>
+              </a:rPr>
+              <a:t>= Total comments / total posts = 3.04 </a:t>
+            </a:r>
+            <a:endParaRPr lang="en-US" sz="1500" dirty="0" smtClean="0">
+              <a:latin typeface="Calibri" panose="020F0502020204030204" pitchFamily="34" charset="0"/>
+              <a:cs typeface="Calibri" panose="020F0502020204030204" pitchFamily="34" charset="0"/>
+            </a:endParaRPr>
+          </a:p>
+          <a:p>
+            <a:pPr marL="109728" indent="0">
+              <a:buNone/>
+            </a:pPr>
+            <a:r>
+              <a:rPr lang="en-US" sz="1500" dirty="0" smtClean="0">
+                <a:latin typeface="Calibri" panose="020F0502020204030204" pitchFamily="34" charset="0"/>
+                <a:cs typeface="Calibri" panose="020F0502020204030204" pitchFamily="34" charset="0"/>
+              </a:rPr>
+              <a:t>C3 </a:t>
+            </a:r>
+            <a:r>
+              <a:rPr lang="en-US" sz="1500" dirty="0">
+                <a:latin typeface="Calibri" panose="020F0502020204030204" pitchFamily="34" charset="0"/>
+                <a:cs typeface="Calibri" panose="020F0502020204030204" pitchFamily="34" charset="0"/>
+              </a:rPr>
+              <a:t>= (C2/number of fans) * 1000 = 0.01 </a:t>
+            </a:r>
+            <a:endParaRPr lang="en-US" sz="1500" dirty="0" smtClean="0">
+              <a:latin typeface="Calibri" panose="020F0502020204030204" pitchFamily="34" charset="0"/>
+              <a:cs typeface="Calibri" panose="020F0502020204030204" pitchFamily="34" charset="0"/>
+            </a:endParaRPr>
+          </a:p>
+          <a:p>
+            <a:pPr marL="109728" indent="0">
+              <a:buNone/>
+            </a:pPr>
+            <a:r>
+              <a:rPr lang="en-US" sz="1500" dirty="0" err="1" smtClean="0">
+                <a:latin typeface="Calibri" panose="020F0502020204030204" pitchFamily="34" charset="0"/>
+                <a:cs typeface="Calibri" panose="020F0502020204030204" pitchFamily="34" charset="0"/>
+              </a:rPr>
+              <a:t>Virality</a:t>
+            </a:r>
+            <a:r>
+              <a:rPr lang="en-US" sz="1500" dirty="0" smtClean="0">
+                <a:latin typeface="Calibri" panose="020F0502020204030204" pitchFamily="34" charset="0"/>
+                <a:cs typeface="Calibri" panose="020F0502020204030204" pitchFamily="34" charset="0"/>
+              </a:rPr>
+              <a:t> </a:t>
+            </a:r>
+          </a:p>
+          <a:p>
+            <a:pPr marL="109728" indent="0">
+              <a:buNone/>
+            </a:pPr>
+            <a:r>
+              <a:rPr lang="en-US" sz="1500" dirty="0" smtClean="0">
+                <a:latin typeface="Calibri" panose="020F0502020204030204" pitchFamily="34" charset="0"/>
+                <a:cs typeface="Calibri" panose="020F0502020204030204" pitchFamily="34" charset="0"/>
+              </a:rPr>
+              <a:t>V1 </a:t>
+            </a:r>
+            <a:r>
+              <a:rPr lang="en-US" sz="1500" dirty="0">
+                <a:latin typeface="Calibri" panose="020F0502020204030204" pitchFamily="34" charset="0"/>
+                <a:cs typeface="Calibri" panose="020F0502020204030204" pitchFamily="34" charset="0"/>
+              </a:rPr>
+              <a:t>= Number of posts with shares / total posts = 0.50 </a:t>
+            </a:r>
+            <a:endParaRPr lang="en-US" sz="1500" dirty="0" smtClean="0">
+              <a:latin typeface="Calibri" panose="020F0502020204030204" pitchFamily="34" charset="0"/>
+              <a:cs typeface="Calibri" panose="020F0502020204030204" pitchFamily="34" charset="0"/>
+            </a:endParaRPr>
+          </a:p>
+          <a:p>
+            <a:pPr marL="109728" indent="0">
+              <a:buNone/>
+            </a:pPr>
+            <a:r>
+              <a:rPr lang="en-US" sz="1500" dirty="0" smtClean="0">
+                <a:latin typeface="Calibri" panose="020F0502020204030204" pitchFamily="34" charset="0"/>
+                <a:cs typeface="Calibri" panose="020F0502020204030204" pitchFamily="34" charset="0"/>
+              </a:rPr>
+              <a:t>V2 </a:t>
+            </a:r>
+            <a:r>
+              <a:rPr lang="en-US" sz="1500" dirty="0">
+                <a:latin typeface="Calibri" panose="020F0502020204030204" pitchFamily="34" charset="0"/>
+                <a:cs typeface="Calibri" panose="020F0502020204030204" pitchFamily="34" charset="0"/>
+              </a:rPr>
+              <a:t>= Total shares / total posts = 4.91 </a:t>
+            </a:r>
+            <a:endParaRPr lang="en-US" sz="1500" dirty="0" smtClean="0">
+              <a:latin typeface="Calibri" panose="020F0502020204030204" pitchFamily="34" charset="0"/>
+              <a:cs typeface="Calibri" panose="020F0502020204030204" pitchFamily="34" charset="0"/>
+            </a:endParaRPr>
+          </a:p>
+          <a:p>
+            <a:pPr marL="109728" indent="0">
+              <a:buNone/>
+            </a:pPr>
+            <a:r>
+              <a:rPr lang="en-US" sz="1500" dirty="0" smtClean="0">
+                <a:latin typeface="Calibri" panose="020F0502020204030204" pitchFamily="34" charset="0"/>
+                <a:cs typeface="Calibri" panose="020F0502020204030204" pitchFamily="34" charset="0"/>
+              </a:rPr>
+              <a:t>V3 </a:t>
+            </a:r>
+            <a:r>
+              <a:rPr lang="en-US" sz="1500" dirty="0">
+                <a:latin typeface="Calibri" panose="020F0502020204030204" pitchFamily="34" charset="0"/>
+                <a:cs typeface="Calibri" panose="020F0502020204030204" pitchFamily="34" charset="0"/>
+              </a:rPr>
+              <a:t>= (V2/number of fans) * 1000 = 0.02 </a:t>
+            </a:r>
+            <a:endParaRPr lang="en-US" sz="1500" dirty="0">
+              <a:latin typeface="Calibri" panose="020F0502020204030204" pitchFamily="34" charset="0"/>
+              <a:cs typeface="Calibri" panose="020F0502020204030204" pitchFamily="34" charset="0"/>
+            </a:endParaRPr>
+          </a:p>
+        </p:txBody>
+      </p:sp>
+      <p:sp>
+        <p:nvSpPr>
+          <p:cNvPr id="6" name="Content Placeholder 5"/>
+          <p:cNvSpPr>
+            <a:spLocks noGrp="1"/>
+          </p:cNvSpPr>
+          <p:nvPr>
+            <p:ph sz="quarter" idx="4"/>
+          </p:nvPr>
+        </p:nvSpPr>
+        <p:spPr>
+          <a:xfrm>
+            <a:off x="4497388" y="889685"/>
+            <a:ext cx="4189411" cy="4520515"/>
+          </a:xfrm>
+        </p:spPr>
+        <p:txBody>
+          <a:bodyPr anchor="ctr">
+            <a:noAutofit/>
+          </a:bodyPr>
+          <a:lstStyle/>
+          <a:p>
+            <a:pPr marL="109728" indent="0">
+              <a:buNone/>
+            </a:pPr>
+            <a:r>
+              <a:rPr lang="en-US" sz="1500" dirty="0">
+                <a:latin typeface="Calibri" panose="020F0502020204030204" pitchFamily="34" charset="0"/>
+                <a:cs typeface="Calibri" panose="020F0502020204030204" pitchFamily="34" charset="0"/>
+              </a:rPr>
+              <a:t>Total Fans = 161820 </a:t>
+            </a:r>
+            <a:endParaRPr lang="en-US" sz="1500" dirty="0" smtClean="0">
+              <a:latin typeface="Calibri" panose="020F0502020204030204" pitchFamily="34" charset="0"/>
+              <a:cs typeface="Calibri" panose="020F0502020204030204" pitchFamily="34" charset="0"/>
+            </a:endParaRPr>
+          </a:p>
+          <a:p>
+            <a:pPr marL="109728" indent="0">
+              <a:buNone/>
+            </a:pPr>
+            <a:r>
+              <a:rPr lang="en-US" sz="1500" dirty="0" smtClean="0">
+                <a:latin typeface="Calibri" panose="020F0502020204030204" pitchFamily="34" charset="0"/>
+                <a:cs typeface="Calibri" panose="020F0502020204030204" pitchFamily="34" charset="0"/>
+              </a:rPr>
+              <a:t>Popularity </a:t>
+            </a:r>
+          </a:p>
+          <a:p>
+            <a:pPr marL="109728" indent="0">
+              <a:buNone/>
+            </a:pPr>
+            <a:r>
+              <a:rPr lang="en-US" sz="1500" dirty="0" smtClean="0">
+                <a:latin typeface="Calibri" panose="020F0502020204030204" pitchFamily="34" charset="0"/>
+                <a:cs typeface="Calibri" panose="020F0502020204030204" pitchFamily="34" charset="0"/>
+              </a:rPr>
+              <a:t>P1 </a:t>
+            </a:r>
+            <a:r>
+              <a:rPr lang="en-US" sz="1500" dirty="0">
+                <a:latin typeface="Calibri" panose="020F0502020204030204" pitchFamily="34" charset="0"/>
+                <a:cs typeface="Calibri" panose="020F0502020204030204" pitchFamily="34" charset="0"/>
+              </a:rPr>
+              <a:t>= Number of posts with likes / total posts = 0.99 </a:t>
+            </a:r>
+            <a:endParaRPr lang="en-US" sz="1500" dirty="0" smtClean="0">
+              <a:latin typeface="Calibri" panose="020F0502020204030204" pitchFamily="34" charset="0"/>
+              <a:cs typeface="Calibri" panose="020F0502020204030204" pitchFamily="34" charset="0"/>
+            </a:endParaRPr>
+          </a:p>
+          <a:p>
+            <a:pPr marL="109728" indent="0">
+              <a:buNone/>
+            </a:pPr>
+            <a:r>
+              <a:rPr lang="en-US" sz="1500" dirty="0" smtClean="0">
+                <a:latin typeface="Calibri" panose="020F0502020204030204" pitchFamily="34" charset="0"/>
+                <a:cs typeface="Calibri" panose="020F0502020204030204" pitchFamily="34" charset="0"/>
+              </a:rPr>
+              <a:t>P2 </a:t>
+            </a:r>
+            <a:r>
+              <a:rPr lang="en-US" sz="1500" dirty="0">
+                <a:latin typeface="Calibri" panose="020F0502020204030204" pitchFamily="34" charset="0"/>
+                <a:cs typeface="Calibri" panose="020F0502020204030204" pitchFamily="34" charset="0"/>
+              </a:rPr>
+              <a:t>= Total likes / total number of posts = 34.05 </a:t>
+            </a:r>
+            <a:endParaRPr lang="en-US" sz="1500" dirty="0" smtClean="0">
+              <a:latin typeface="Calibri" panose="020F0502020204030204" pitchFamily="34" charset="0"/>
+              <a:cs typeface="Calibri" panose="020F0502020204030204" pitchFamily="34" charset="0"/>
+            </a:endParaRPr>
+          </a:p>
+          <a:p>
+            <a:pPr marL="109728" indent="0">
+              <a:buNone/>
+            </a:pPr>
+            <a:r>
+              <a:rPr lang="en-US" sz="1500" dirty="0" smtClean="0">
+                <a:latin typeface="Calibri" panose="020F0502020204030204" pitchFamily="34" charset="0"/>
+                <a:cs typeface="Calibri" panose="020F0502020204030204" pitchFamily="34" charset="0"/>
+              </a:rPr>
+              <a:t>P3 </a:t>
+            </a:r>
+            <a:r>
+              <a:rPr lang="en-US" sz="1500" dirty="0">
+                <a:latin typeface="Calibri" panose="020F0502020204030204" pitchFamily="34" charset="0"/>
+                <a:cs typeface="Calibri" panose="020F0502020204030204" pitchFamily="34" charset="0"/>
+              </a:rPr>
+              <a:t>= (P2/number of fans) * 1000 = 0.21 </a:t>
+            </a:r>
+            <a:endParaRPr lang="en-US" sz="1500" dirty="0" smtClean="0">
+              <a:latin typeface="Calibri" panose="020F0502020204030204" pitchFamily="34" charset="0"/>
+              <a:cs typeface="Calibri" panose="020F0502020204030204" pitchFamily="34" charset="0"/>
+            </a:endParaRPr>
+          </a:p>
+          <a:p>
+            <a:pPr marL="109728" indent="0">
+              <a:buNone/>
+            </a:pPr>
+            <a:endParaRPr lang="en-US" sz="1500" dirty="0" smtClean="0">
+              <a:latin typeface="Calibri" panose="020F0502020204030204" pitchFamily="34" charset="0"/>
+              <a:cs typeface="Calibri" panose="020F0502020204030204" pitchFamily="34" charset="0"/>
+            </a:endParaRPr>
+          </a:p>
+          <a:p>
+            <a:pPr marL="109728" indent="0">
+              <a:buNone/>
+            </a:pPr>
+            <a:r>
+              <a:rPr lang="en-US" sz="1500" dirty="0" smtClean="0">
+                <a:latin typeface="Calibri" panose="020F0502020204030204" pitchFamily="34" charset="0"/>
+                <a:cs typeface="Calibri" panose="020F0502020204030204" pitchFamily="34" charset="0"/>
+              </a:rPr>
+              <a:t>Commitment </a:t>
+            </a:r>
+          </a:p>
+          <a:p>
+            <a:pPr marL="109728" indent="0">
+              <a:buNone/>
+            </a:pPr>
+            <a:r>
+              <a:rPr lang="en-US" sz="1500" dirty="0" smtClean="0">
+                <a:latin typeface="Calibri" panose="020F0502020204030204" pitchFamily="34" charset="0"/>
+                <a:cs typeface="Calibri" panose="020F0502020204030204" pitchFamily="34" charset="0"/>
+              </a:rPr>
+              <a:t>C1 </a:t>
+            </a:r>
+            <a:r>
+              <a:rPr lang="en-US" sz="1500" dirty="0">
+                <a:latin typeface="Calibri" panose="020F0502020204030204" pitchFamily="34" charset="0"/>
+                <a:cs typeface="Calibri" panose="020F0502020204030204" pitchFamily="34" charset="0"/>
+              </a:rPr>
+              <a:t>= Number of posts with comments / total posts = 0.79 </a:t>
+            </a:r>
+            <a:endParaRPr lang="en-US" sz="1500" dirty="0" smtClean="0">
+              <a:latin typeface="Calibri" panose="020F0502020204030204" pitchFamily="34" charset="0"/>
+              <a:cs typeface="Calibri" panose="020F0502020204030204" pitchFamily="34" charset="0"/>
+            </a:endParaRPr>
+          </a:p>
+          <a:p>
+            <a:pPr marL="109728" indent="0">
+              <a:buNone/>
+            </a:pPr>
+            <a:r>
+              <a:rPr lang="en-US" sz="1500" dirty="0" smtClean="0">
+                <a:latin typeface="Calibri" panose="020F0502020204030204" pitchFamily="34" charset="0"/>
+                <a:cs typeface="Calibri" panose="020F0502020204030204" pitchFamily="34" charset="0"/>
+              </a:rPr>
+              <a:t>C2 </a:t>
+            </a:r>
+            <a:r>
+              <a:rPr lang="en-US" sz="1500" dirty="0">
+                <a:latin typeface="Calibri" panose="020F0502020204030204" pitchFamily="34" charset="0"/>
+                <a:cs typeface="Calibri" panose="020F0502020204030204" pitchFamily="34" charset="0"/>
+              </a:rPr>
+              <a:t>= Total comments / total posts = 6.72 </a:t>
+            </a:r>
+            <a:endParaRPr lang="en-US" sz="1500" dirty="0" smtClean="0">
+              <a:latin typeface="Calibri" panose="020F0502020204030204" pitchFamily="34" charset="0"/>
+              <a:cs typeface="Calibri" panose="020F0502020204030204" pitchFamily="34" charset="0"/>
+            </a:endParaRPr>
+          </a:p>
+          <a:p>
+            <a:pPr marL="109728" indent="0">
+              <a:buNone/>
+            </a:pPr>
+            <a:r>
+              <a:rPr lang="en-US" sz="1500" dirty="0" smtClean="0">
+                <a:latin typeface="Calibri" panose="020F0502020204030204" pitchFamily="34" charset="0"/>
+                <a:cs typeface="Calibri" panose="020F0502020204030204" pitchFamily="34" charset="0"/>
+              </a:rPr>
+              <a:t>C3 </a:t>
+            </a:r>
+            <a:r>
+              <a:rPr lang="en-US" sz="1500" dirty="0">
+                <a:latin typeface="Calibri" panose="020F0502020204030204" pitchFamily="34" charset="0"/>
+                <a:cs typeface="Calibri" panose="020F0502020204030204" pitchFamily="34" charset="0"/>
+              </a:rPr>
+              <a:t>= (C2/number of fans) * 1000 = 0.04 </a:t>
+            </a:r>
+            <a:endParaRPr lang="en-US" sz="1500" dirty="0" smtClean="0">
+              <a:latin typeface="Calibri" panose="020F0502020204030204" pitchFamily="34" charset="0"/>
+              <a:cs typeface="Calibri" panose="020F0502020204030204" pitchFamily="34" charset="0"/>
+            </a:endParaRPr>
+          </a:p>
+          <a:p>
+            <a:pPr marL="109728" indent="0">
+              <a:buNone/>
+            </a:pPr>
+            <a:endParaRPr lang="en-US" sz="1500" dirty="0" smtClean="0">
+              <a:latin typeface="Calibri" panose="020F0502020204030204" pitchFamily="34" charset="0"/>
+              <a:cs typeface="Calibri" panose="020F0502020204030204" pitchFamily="34" charset="0"/>
+            </a:endParaRPr>
+          </a:p>
+          <a:p>
+            <a:pPr marL="109728" indent="0">
+              <a:buNone/>
+            </a:pPr>
+            <a:r>
+              <a:rPr lang="en-US" sz="1500" dirty="0" err="1" smtClean="0">
+                <a:latin typeface="Calibri" panose="020F0502020204030204" pitchFamily="34" charset="0"/>
+                <a:cs typeface="Calibri" panose="020F0502020204030204" pitchFamily="34" charset="0"/>
+              </a:rPr>
+              <a:t>Virality</a:t>
+            </a:r>
+            <a:r>
+              <a:rPr lang="en-US" sz="1500" dirty="0" smtClean="0">
+                <a:latin typeface="Calibri" panose="020F0502020204030204" pitchFamily="34" charset="0"/>
+                <a:cs typeface="Calibri" panose="020F0502020204030204" pitchFamily="34" charset="0"/>
+              </a:rPr>
+              <a:t> </a:t>
+            </a:r>
+          </a:p>
+          <a:p>
+            <a:pPr marL="109728" indent="0">
+              <a:buNone/>
+            </a:pPr>
+            <a:r>
+              <a:rPr lang="en-US" sz="1500" dirty="0" smtClean="0">
+                <a:latin typeface="Calibri" panose="020F0502020204030204" pitchFamily="34" charset="0"/>
+                <a:cs typeface="Calibri" panose="020F0502020204030204" pitchFamily="34" charset="0"/>
+              </a:rPr>
+              <a:t>V1 </a:t>
+            </a:r>
+            <a:r>
+              <a:rPr lang="en-US" sz="1500" dirty="0">
+                <a:latin typeface="Calibri" panose="020F0502020204030204" pitchFamily="34" charset="0"/>
+                <a:cs typeface="Calibri" panose="020F0502020204030204" pitchFamily="34" charset="0"/>
+              </a:rPr>
+              <a:t>= Number of posts with shares / total posts = 0.64 </a:t>
+            </a:r>
+            <a:endParaRPr lang="en-US" sz="1500" dirty="0" smtClean="0">
+              <a:latin typeface="Calibri" panose="020F0502020204030204" pitchFamily="34" charset="0"/>
+              <a:cs typeface="Calibri" panose="020F0502020204030204" pitchFamily="34" charset="0"/>
+            </a:endParaRPr>
+          </a:p>
+          <a:p>
+            <a:pPr marL="109728" indent="0">
+              <a:buNone/>
+            </a:pPr>
+            <a:r>
+              <a:rPr lang="en-US" sz="1500" dirty="0" smtClean="0">
+                <a:latin typeface="Calibri" panose="020F0502020204030204" pitchFamily="34" charset="0"/>
+                <a:cs typeface="Calibri" panose="020F0502020204030204" pitchFamily="34" charset="0"/>
+              </a:rPr>
+              <a:t>V2 </a:t>
+            </a:r>
+            <a:r>
+              <a:rPr lang="en-US" sz="1500" dirty="0">
+                <a:latin typeface="Calibri" panose="020F0502020204030204" pitchFamily="34" charset="0"/>
+                <a:cs typeface="Calibri" panose="020F0502020204030204" pitchFamily="34" charset="0"/>
+              </a:rPr>
+              <a:t>= Total shares / total posts = 10.83 </a:t>
+            </a:r>
+            <a:endParaRPr lang="en-US" sz="1500" dirty="0" smtClean="0">
+              <a:latin typeface="Calibri" panose="020F0502020204030204" pitchFamily="34" charset="0"/>
+              <a:cs typeface="Calibri" panose="020F0502020204030204" pitchFamily="34" charset="0"/>
+            </a:endParaRPr>
+          </a:p>
+          <a:p>
+            <a:pPr marL="109728" indent="0">
+              <a:buNone/>
+            </a:pPr>
+            <a:r>
+              <a:rPr lang="en-US" sz="1500" dirty="0" smtClean="0">
+                <a:latin typeface="Calibri" panose="020F0502020204030204" pitchFamily="34" charset="0"/>
+                <a:cs typeface="Calibri" panose="020F0502020204030204" pitchFamily="34" charset="0"/>
+              </a:rPr>
+              <a:t>V3 </a:t>
+            </a:r>
+            <a:r>
+              <a:rPr lang="en-US" sz="1500" dirty="0">
+                <a:latin typeface="Calibri" panose="020F0502020204030204" pitchFamily="34" charset="0"/>
+                <a:cs typeface="Calibri" panose="020F0502020204030204" pitchFamily="34" charset="0"/>
+              </a:rPr>
+              <a:t>= (V2/number of fans) * 1000 = 0.07 </a:t>
+            </a:r>
+          </a:p>
+          <a:p>
+            <a:endParaRPr lang="en-US" sz="1400" dirty="0"/>
           </a:p>
         </p:txBody>
       </p:sp>
     </p:spTree>
     <p:extLst>
       <p:ext uri="{BB962C8B-B14F-4D97-AF65-F5344CB8AC3E}">
-        <p14:creationId xmlns:p14="http://schemas.microsoft.com/office/powerpoint/2010/main" val="586834105"/>
+        <p14:creationId xmlns:p14="http://schemas.microsoft.com/office/powerpoint/2010/main" val="3937538168"/>
       </p:ext>
     </p:extLst>
   </p:cSld>
@@ -7685,6 +8656,13 @@
   <p:transition>
     <p:cut/>
   </p:transition>
+  <p:timing>
+    <p:tnLst>
+      <p:par>
+        <p:cTn id="1" dur="indefinite" restart="never" nodeType="tmRoot"/>
+      </p:par>
+    </p:tnLst>
+  </p:timing>
 </p:sld>
 </file>
 
